--- a/Sem-1/RDBMS Theory/Unit-3/Day_15.pptx
+++ b/Sem-1/RDBMS Theory/Unit-3/Day_15.pptx
@@ -17,13 +17,6 @@
     <p:sldId id="273" r:id="rId11"/>
     <p:sldId id="274" r:id="rId12"/>
     <p:sldId id="272" r:id="rId13"/>
-    <p:sldId id="269" r:id="rId14"/>
-    <p:sldId id="263" r:id="rId15"/>
-    <p:sldId id="264" r:id="rId16"/>
-    <p:sldId id="265" r:id="rId17"/>
-    <p:sldId id="266" r:id="rId18"/>
-    <p:sldId id="267" r:id="rId19"/>
-    <p:sldId id="268" r:id="rId20"/>
   </p:sldIdLst>
   <p:sldSz cx="12192000" cy="6858000"/>
   <p:notesSz cx="6858000" cy="9144000"/>
@@ -152,7 +145,7 @@
           <p:cNvPr id="2" name="Title 1">
             <a:extLst>
               <a:ext uri="{FF2B5EF4-FFF2-40B4-BE49-F238E27FC236}">
-                <a16:creationId xmlns:a16="http://schemas.microsoft.com/office/drawing/2014/main" xmlns="" id="{26BDD5E2-0044-461C-92E2-6C0DF8364C70}"/>
+                <a16:creationId xmlns="" xmlns:a16="http://schemas.microsoft.com/office/drawing/2014/main" id="{26BDD5E2-0044-461C-92E2-6C0DF8364C70}"/>
               </a:ext>
             </a:extLst>
           </p:cNvPr>
@@ -190,7 +183,7 @@
           <p:cNvPr id="3" name="Subtitle 2">
             <a:extLst>
               <a:ext uri="{FF2B5EF4-FFF2-40B4-BE49-F238E27FC236}">
-                <a16:creationId xmlns:a16="http://schemas.microsoft.com/office/drawing/2014/main" xmlns="" id="{81E3884A-B9EE-4921-AB52-82CC0FD622CB}"/>
+                <a16:creationId xmlns="" xmlns:a16="http://schemas.microsoft.com/office/drawing/2014/main" id="{81E3884A-B9EE-4921-AB52-82CC0FD622CB}"/>
               </a:ext>
             </a:extLst>
           </p:cNvPr>
@@ -261,7 +254,7 @@
           <p:cNvPr id="4" name="Date Placeholder 3">
             <a:extLst>
               <a:ext uri="{FF2B5EF4-FFF2-40B4-BE49-F238E27FC236}">
-                <a16:creationId xmlns:a16="http://schemas.microsoft.com/office/drawing/2014/main" xmlns="" id="{13EE6164-20DA-47A3-8C52-A6C41412CA53}"/>
+                <a16:creationId xmlns="" xmlns:a16="http://schemas.microsoft.com/office/drawing/2014/main" id="{13EE6164-20DA-47A3-8C52-A6C41412CA53}"/>
               </a:ext>
             </a:extLst>
           </p:cNvPr>
@@ -279,7 +272,7 @@
           <a:p>
             <a:fld id="{87B6D984-3A23-47E1-8694-A440222D913B}" type="datetimeFigureOut">
               <a:rPr lang="en-IN" smtClean="0"/>
-              <a:t>04-11-2023</a:t>
+              <a:t>15-09-2025</a:t>
             </a:fld>
             <a:endParaRPr lang="en-IN"/>
           </a:p>
@@ -290,7 +283,7 @@
           <p:cNvPr id="5" name="Footer Placeholder 4">
             <a:extLst>
               <a:ext uri="{FF2B5EF4-FFF2-40B4-BE49-F238E27FC236}">
-                <a16:creationId xmlns:a16="http://schemas.microsoft.com/office/drawing/2014/main" xmlns="" id="{2B7B6391-9E9B-4A49-9EDF-84CB6C9CCE6B}"/>
+                <a16:creationId xmlns="" xmlns:a16="http://schemas.microsoft.com/office/drawing/2014/main" id="{2B7B6391-9E9B-4A49-9EDF-84CB6C9CCE6B}"/>
               </a:ext>
             </a:extLst>
           </p:cNvPr>
@@ -315,7 +308,7 @@
           <p:cNvPr id="6" name="Slide Number Placeholder 5">
             <a:extLst>
               <a:ext uri="{FF2B5EF4-FFF2-40B4-BE49-F238E27FC236}">
-                <a16:creationId xmlns:a16="http://schemas.microsoft.com/office/drawing/2014/main" xmlns="" id="{749E2498-842D-48F7-9702-CE46FB0CFA1F}"/>
+                <a16:creationId xmlns="" xmlns:a16="http://schemas.microsoft.com/office/drawing/2014/main" id="{749E2498-842D-48F7-9702-CE46FB0CFA1F}"/>
               </a:ext>
             </a:extLst>
           </p:cNvPr>
@@ -374,7 +367,7 @@
           <p:cNvPr id="2" name="Title 1">
             <a:extLst>
               <a:ext uri="{FF2B5EF4-FFF2-40B4-BE49-F238E27FC236}">
-                <a16:creationId xmlns:a16="http://schemas.microsoft.com/office/drawing/2014/main" xmlns="" id="{5D9493A8-2415-4CE2-9C16-D60717E1473F}"/>
+                <a16:creationId xmlns="" xmlns:a16="http://schemas.microsoft.com/office/drawing/2014/main" id="{5D9493A8-2415-4CE2-9C16-D60717E1473F}"/>
               </a:ext>
             </a:extLst>
           </p:cNvPr>
@@ -403,7 +396,7 @@
           <p:cNvPr id="3" name="Vertical Text Placeholder 2">
             <a:extLst>
               <a:ext uri="{FF2B5EF4-FFF2-40B4-BE49-F238E27FC236}">
-                <a16:creationId xmlns:a16="http://schemas.microsoft.com/office/drawing/2014/main" xmlns="" id="{7A90E244-A95D-408F-8B37-31044BFACD5C}"/>
+                <a16:creationId xmlns="" xmlns:a16="http://schemas.microsoft.com/office/drawing/2014/main" id="{7A90E244-A95D-408F-8B37-31044BFACD5C}"/>
               </a:ext>
             </a:extLst>
           </p:cNvPr>
@@ -461,7 +454,7 @@
           <p:cNvPr id="4" name="Date Placeholder 3">
             <a:extLst>
               <a:ext uri="{FF2B5EF4-FFF2-40B4-BE49-F238E27FC236}">
-                <a16:creationId xmlns:a16="http://schemas.microsoft.com/office/drawing/2014/main" xmlns="" id="{AD4B94B5-3833-41F4-A275-9B8B5B3F2D51}"/>
+                <a16:creationId xmlns="" xmlns:a16="http://schemas.microsoft.com/office/drawing/2014/main" id="{AD4B94B5-3833-41F4-A275-9B8B5B3F2D51}"/>
               </a:ext>
             </a:extLst>
           </p:cNvPr>
@@ -479,7 +472,7 @@
           <a:p>
             <a:fld id="{87B6D984-3A23-47E1-8694-A440222D913B}" type="datetimeFigureOut">
               <a:rPr lang="en-IN" smtClean="0"/>
-              <a:t>04-11-2023</a:t>
+              <a:t>15-09-2025</a:t>
             </a:fld>
             <a:endParaRPr lang="en-IN"/>
           </a:p>
@@ -490,7 +483,7 @@
           <p:cNvPr id="5" name="Footer Placeholder 4">
             <a:extLst>
               <a:ext uri="{FF2B5EF4-FFF2-40B4-BE49-F238E27FC236}">
-                <a16:creationId xmlns:a16="http://schemas.microsoft.com/office/drawing/2014/main" xmlns="" id="{684B679C-4420-4CAD-AECE-D27D26C10FAE}"/>
+                <a16:creationId xmlns="" xmlns:a16="http://schemas.microsoft.com/office/drawing/2014/main" id="{684B679C-4420-4CAD-AECE-D27D26C10FAE}"/>
               </a:ext>
             </a:extLst>
           </p:cNvPr>
@@ -515,7 +508,7 @@
           <p:cNvPr id="6" name="Slide Number Placeholder 5">
             <a:extLst>
               <a:ext uri="{FF2B5EF4-FFF2-40B4-BE49-F238E27FC236}">
-                <a16:creationId xmlns:a16="http://schemas.microsoft.com/office/drawing/2014/main" xmlns="" id="{BD221D19-59E1-4614-A2CA-5CBB64463F72}"/>
+                <a16:creationId xmlns="" xmlns:a16="http://schemas.microsoft.com/office/drawing/2014/main" id="{BD221D19-59E1-4614-A2CA-5CBB64463F72}"/>
               </a:ext>
             </a:extLst>
           </p:cNvPr>
@@ -574,7 +567,7 @@
           <p:cNvPr id="2" name="Vertical Title 1">
             <a:extLst>
               <a:ext uri="{FF2B5EF4-FFF2-40B4-BE49-F238E27FC236}">
-                <a16:creationId xmlns:a16="http://schemas.microsoft.com/office/drawing/2014/main" xmlns="" id="{3BDA6890-E575-4F5A-B429-C4758ED2B67E}"/>
+                <a16:creationId xmlns="" xmlns:a16="http://schemas.microsoft.com/office/drawing/2014/main" id="{3BDA6890-E575-4F5A-B429-C4758ED2B67E}"/>
               </a:ext>
             </a:extLst>
           </p:cNvPr>
@@ -608,7 +601,7 @@
           <p:cNvPr id="3" name="Vertical Text Placeholder 2">
             <a:extLst>
               <a:ext uri="{FF2B5EF4-FFF2-40B4-BE49-F238E27FC236}">
-                <a16:creationId xmlns:a16="http://schemas.microsoft.com/office/drawing/2014/main" xmlns="" id="{8AE7AF2F-BFF3-472C-B4CE-37EC4A692EEE}"/>
+                <a16:creationId xmlns="" xmlns:a16="http://schemas.microsoft.com/office/drawing/2014/main" id="{8AE7AF2F-BFF3-472C-B4CE-37EC4A692EEE}"/>
               </a:ext>
             </a:extLst>
           </p:cNvPr>
@@ -671,7 +664,7 @@
           <p:cNvPr id="4" name="Date Placeholder 3">
             <a:extLst>
               <a:ext uri="{FF2B5EF4-FFF2-40B4-BE49-F238E27FC236}">
-                <a16:creationId xmlns:a16="http://schemas.microsoft.com/office/drawing/2014/main" xmlns="" id="{7F795D10-C39D-447A-8326-001E58E7BD59}"/>
+                <a16:creationId xmlns="" xmlns:a16="http://schemas.microsoft.com/office/drawing/2014/main" id="{7F795D10-C39D-447A-8326-001E58E7BD59}"/>
               </a:ext>
             </a:extLst>
           </p:cNvPr>
@@ -689,7 +682,7 @@
           <a:p>
             <a:fld id="{87B6D984-3A23-47E1-8694-A440222D913B}" type="datetimeFigureOut">
               <a:rPr lang="en-IN" smtClean="0"/>
-              <a:t>04-11-2023</a:t>
+              <a:t>15-09-2025</a:t>
             </a:fld>
             <a:endParaRPr lang="en-IN"/>
           </a:p>
@@ -700,7 +693,7 @@
           <p:cNvPr id="5" name="Footer Placeholder 4">
             <a:extLst>
               <a:ext uri="{FF2B5EF4-FFF2-40B4-BE49-F238E27FC236}">
-                <a16:creationId xmlns:a16="http://schemas.microsoft.com/office/drawing/2014/main" xmlns="" id="{F0E6198F-8CE4-45D3-9516-04C5CB3F8EB1}"/>
+                <a16:creationId xmlns="" xmlns:a16="http://schemas.microsoft.com/office/drawing/2014/main" id="{F0E6198F-8CE4-45D3-9516-04C5CB3F8EB1}"/>
               </a:ext>
             </a:extLst>
           </p:cNvPr>
@@ -725,7 +718,7 @@
           <p:cNvPr id="6" name="Slide Number Placeholder 5">
             <a:extLst>
               <a:ext uri="{FF2B5EF4-FFF2-40B4-BE49-F238E27FC236}">
-                <a16:creationId xmlns:a16="http://schemas.microsoft.com/office/drawing/2014/main" xmlns="" id="{910E15DA-CD73-438C-AD3F-4CF39D3F4516}"/>
+                <a16:creationId xmlns="" xmlns:a16="http://schemas.microsoft.com/office/drawing/2014/main" id="{910E15DA-CD73-438C-AD3F-4CF39D3F4516}"/>
               </a:ext>
             </a:extLst>
           </p:cNvPr>
@@ -784,7 +777,7 @@
           <p:cNvPr id="2" name="Title 1">
             <a:extLst>
               <a:ext uri="{FF2B5EF4-FFF2-40B4-BE49-F238E27FC236}">
-                <a16:creationId xmlns:a16="http://schemas.microsoft.com/office/drawing/2014/main" xmlns="" id="{1B4E5DD7-92B6-488E-B5E1-6019A76C6E84}"/>
+                <a16:creationId xmlns="" xmlns:a16="http://schemas.microsoft.com/office/drawing/2014/main" id="{1B4E5DD7-92B6-488E-B5E1-6019A76C6E84}"/>
               </a:ext>
             </a:extLst>
           </p:cNvPr>
@@ -813,7 +806,7 @@
           <p:cNvPr id="3" name="Content Placeholder 2">
             <a:extLst>
               <a:ext uri="{FF2B5EF4-FFF2-40B4-BE49-F238E27FC236}">
-                <a16:creationId xmlns:a16="http://schemas.microsoft.com/office/drawing/2014/main" xmlns="" id="{1E27669A-62DE-4808-8A99-77BCEC558771}"/>
+                <a16:creationId xmlns="" xmlns:a16="http://schemas.microsoft.com/office/drawing/2014/main" id="{1E27669A-62DE-4808-8A99-77BCEC558771}"/>
               </a:ext>
             </a:extLst>
           </p:cNvPr>
@@ -871,7 +864,7 @@
           <p:cNvPr id="4" name="Date Placeholder 3">
             <a:extLst>
               <a:ext uri="{FF2B5EF4-FFF2-40B4-BE49-F238E27FC236}">
-                <a16:creationId xmlns:a16="http://schemas.microsoft.com/office/drawing/2014/main" xmlns="" id="{1BD3BB6B-E534-48D8-8278-C1AEBE284966}"/>
+                <a16:creationId xmlns="" xmlns:a16="http://schemas.microsoft.com/office/drawing/2014/main" id="{1BD3BB6B-E534-48D8-8278-C1AEBE284966}"/>
               </a:ext>
             </a:extLst>
           </p:cNvPr>
@@ -889,7 +882,7 @@
           <a:p>
             <a:fld id="{87B6D984-3A23-47E1-8694-A440222D913B}" type="datetimeFigureOut">
               <a:rPr lang="en-IN" smtClean="0"/>
-              <a:t>04-11-2023</a:t>
+              <a:t>15-09-2025</a:t>
             </a:fld>
             <a:endParaRPr lang="en-IN"/>
           </a:p>
@@ -900,7 +893,7 @@
           <p:cNvPr id="5" name="Footer Placeholder 4">
             <a:extLst>
               <a:ext uri="{FF2B5EF4-FFF2-40B4-BE49-F238E27FC236}">
-                <a16:creationId xmlns:a16="http://schemas.microsoft.com/office/drawing/2014/main" xmlns="" id="{D2F21916-0F5C-41F4-B774-02941D319200}"/>
+                <a16:creationId xmlns="" xmlns:a16="http://schemas.microsoft.com/office/drawing/2014/main" id="{D2F21916-0F5C-41F4-B774-02941D319200}"/>
               </a:ext>
             </a:extLst>
           </p:cNvPr>
@@ -925,7 +918,7 @@
           <p:cNvPr id="6" name="Slide Number Placeholder 5">
             <a:extLst>
               <a:ext uri="{FF2B5EF4-FFF2-40B4-BE49-F238E27FC236}">
-                <a16:creationId xmlns:a16="http://schemas.microsoft.com/office/drawing/2014/main" xmlns="" id="{5811397F-4A82-4AD7-BD91-E4AA8A05BD29}"/>
+                <a16:creationId xmlns="" xmlns:a16="http://schemas.microsoft.com/office/drawing/2014/main" id="{5811397F-4A82-4AD7-BD91-E4AA8A05BD29}"/>
               </a:ext>
             </a:extLst>
           </p:cNvPr>
@@ -984,7 +977,7 @@
           <p:cNvPr id="2" name="Title 1">
             <a:extLst>
               <a:ext uri="{FF2B5EF4-FFF2-40B4-BE49-F238E27FC236}">
-                <a16:creationId xmlns:a16="http://schemas.microsoft.com/office/drawing/2014/main" xmlns="" id="{136FB031-DF2F-41FA-9F6E-829013B21717}"/>
+                <a16:creationId xmlns="" xmlns:a16="http://schemas.microsoft.com/office/drawing/2014/main" id="{136FB031-DF2F-41FA-9F6E-829013B21717}"/>
               </a:ext>
             </a:extLst>
           </p:cNvPr>
@@ -1022,7 +1015,7 @@
           <p:cNvPr id="3" name="Text Placeholder 2">
             <a:extLst>
               <a:ext uri="{FF2B5EF4-FFF2-40B4-BE49-F238E27FC236}">
-                <a16:creationId xmlns:a16="http://schemas.microsoft.com/office/drawing/2014/main" xmlns="" id="{0B7B6E9A-846E-447E-B8FA-9EC4BE75CDA8}"/>
+                <a16:creationId xmlns="" xmlns:a16="http://schemas.microsoft.com/office/drawing/2014/main" id="{0B7B6E9A-846E-447E-B8FA-9EC4BE75CDA8}"/>
               </a:ext>
             </a:extLst>
           </p:cNvPr>
@@ -1147,7 +1140,7 @@
           <p:cNvPr id="4" name="Date Placeholder 3">
             <a:extLst>
               <a:ext uri="{FF2B5EF4-FFF2-40B4-BE49-F238E27FC236}">
-                <a16:creationId xmlns:a16="http://schemas.microsoft.com/office/drawing/2014/main" xmlns="" id="{3F02C72B-8F5D-41B4-B6A6-629C1F821CF6}"/>
+                <a16:creationId xmlns="" xmlns:a16="http://schemas.microsoft.com/office/drawing/2014/main" id="{3F02C72B-8F5D-41B4-B6A6-629C1F821CF6}"/>
               </a:ext>
             </a:extLst>
           </p:cNvPr>
@@ -1165,7 +1158,7 @@
           <a:p>
             <a:fld id="{87B6D984-3A23-47E1-8694-A440222D913B}" type="datetimeFigureOut">
               <a:rPr lang="en-IN" smtClean="0"/>
-              <a:t>04-11-2023</a:t>
+              <a:t>15-09-2025</a:t>
             </a:fld>
             <a:endParaRPr lang="en-IN"/>
           </a:p>
@@ -1176,7 +1169,7 @@
           <p:cNvPr id="5" name="Footer Placeholder 4">
             <a:extLst>
               <a:ext uri="{FF2B5EF4-FFF2-40B4-BE49-F238E27FC236}">
-                <a16:creationId xmlns:a16="http://schemas.microsoft.com/office/drawing/2014/main" xmlns="" id="{1565E631-B811-476C-AF04-1C423AAC3560}"/>
+                <a16:creationId xmlns="" xmlns:a16="http://schemas.microsoft.com/office/drawing/2014/main" id="{1565E631-B811-476C-AF04-1C423AAC3560}"/>
               </a:ext>
             </a:extLst>
           </p:cNvPr>
@@ -1201,7 +1194,7 @@
           <p:cNvPr id="6" name="Slide Number Placeholder 5">
             <a:extLst>
               <a:ext uri="{FF2B5EF4-FFF2-40B4-BE49-F238E27FC236}">
-                <a16:creationId xmlns:a16="http://schemas.microsoft.com/office/drawing/2014/main" xmlns="" id="{E2EE3619-56AA-49E0-BFB2-539805D307FF}"/>
+                <a16:creationId xmlns="" xmlns:a16="http://schemas.microsoft.com/office/drawing/2014/main" id="{E2EE3619-56AA-49E0-BFB2-539805D307FF}"/>
               </a:ext>
             </a:extLst>
           </p:cNvPr>
@@ -1260,7 +1253,7 @@
           <p:cNvPr id="2" name="Title 1">
             <a:extLst>
               <a:ext uri="{FF2B5EF4-FFF2-40B4-BE49-F238E27FC236}">
-                <a16:creationId xmlns:a16="http://schemas.microsoft.com/office/drawing/2014/main" xmlns="" id="{F222A4D6-8B85-4488-B87D-24E351CF776B}"/>
+                <a16:creationId xmlns="" xmlns:a16="http://schemas.microsoft.com/office/drawing/2014/main" id="{F222A4D6-8B85-4488-B87D-24E351CF776B}"/>
               </a:ext>
             </a:extLst>
           </p:cNvPr>
@@ -1289,7 +1282,7 @@
           <p:cNvPr id="3" name="Content Placeholder 2">
             <a:extLst>
               <a:ext uri="{FF2B5EF4-FFF2-40B4-BE49-F238E27FC236}">
-                <a16:creationId xmlns:a16="http://schemas.microsoft.com/office/drawing/2014/main" xmlns="" id="{DFF4C657-14F2-4CB1-AAED-3832AFB58FE6}"/>
+                <a16:creationId xmlns="" xmlns:a16="http://schemas.microsoft.com/office/drawing/2014/main" id="{DFF4C657-14F2-4CB1-AAED-3832AFB58FE6}"/>
               </a:ext>
             </a:extLst>
           </p:cNvPr>
@@ -1352,7 +1345,7 @@
           <p:cNvPr id="4" name="Content Placeholder 3">
             <a:extLst>
               <a:ext uri="{FF2B5EF4-FFF2-40B4-BE49-F238E27FC236}">
-                <a16:creationId xmlns:a16="http://schemas.microsoft.com/office/drawing/2014/main" xmlns="" id="{8FE9FDFD-AC91-45F1-B567-CC1DF8E5C0E6}"/>
+                <a16:creationId xmlns="" xmlns:a16="http://schemas.microsoft.com/office/drawing/2014/main" id="{8FE9FDFD-AC91-45F1-B567-CC1DF8E5C0E6}"/>
               </a:ext>
             </a:extLst>
           </p:cNvPr>
@@ -1415,7 +1408,7 @@
           <p:cNvPr id="5" name="Date Placeholder 4">
             <a:extLst>
               <a:ext uri="{FF2B5EF4-FFF2-40B4-BE49-F238E27FC236}">
-                <a16:creationId xmlns:a16="http://schemas.microsoft.com/office/drawing/2014/main" xmlns="" id="{0AC11D67-8401-4044-B258-EAFE94FB197B}"/>
+                <a16:creationId xmlns="" xmlns:a16="http://schemas.microsoft.com/office/drawing/2014/main" id="{0AC11D67-8401-4044-B258-EAFE94FB197B}"/>
               </a:ext>
             </a:extLst>
           </p:cNvPr>
@@ -1433,7 +1426,7 @@
           <a:p>
             <a:fld id="{87B6D984-3A23-47E1-8694-A440222D913B}" type="datetimeFigureOut">
               <a:rPr lang="en-IN" smtClean="0"/>
-              <a:t>04-11-2023</a:t>
+              <a:t>15-09-2025</a:t>
             </a:fld>
             <a:endParaRPr lang="en-IN"/>
           </a:p>
@@ -1444,7 +1437,7 @@
           <p:cNvPr id="6" name="Footer Placeholder 5">
             <a:extLst>
               <a:ext uri="{FF2B5EF4-FFF2-40B4-BE49-F238E27FC236}">
-                <a16:creationId xmlns:a16="http://schemas.microsoft.com/office/drawing/2014/main" xmlns="" id="{CEE69A3A-44BE-4143-92B5-0BCBB21249A8}"/>
+                <a16:creationId xmlns="" xmlns:a16="http://schemas.microsoft.com/office/drawing/2014/main" id="{CEE69A3A-44BE-4143-92B5-0BCBB21249A8}"/>
               </a:ext>
             </a:extLst>
           </p:cNvPr>
@@ -1469,7 +1462,7 @@
           <p:cNvPr id="7" name="Slide Number Placeholder 6">
             <a:extLst>
               <a:ext uri="{FF2B5EF4-FFF2-40B4-BE49-F238E27FC236}">
-                <a16:creationId xmlns:a16="http://schemas.microsoft.com/office/drawing/2014/main" xmlns="" id="{A7DA09AB-D301-413E-865A-E9E2150A0285}"/>
+                <a16:creationId xmlns="" xmlns:a16="http://schemas.microsoft.com/office/drawing/2014/main" id="{A7DA09AB-D301-413E-865A-E9E2150A0285}"/>
               </a:ext>
             </a:extLst>
           </p:cNvPr>
@@ -1528,7 +1521,7 @@
           <p:cNvPr id="2" name="Title 1">
             <a:extLst>
               <a:ext uri="{FF2B5EF4-FFF2-40B4-BE49-F238E27FC236}">
-                <a16:creationId xmlns:a16="http://schemas.microsoft.com/office/drawing/2014/main" xmlns="" id="{D70A3928-E194-4209-98F2-7B7C03EBAEF2}"/>
+                <a16:creationId xmlns="" xmlns:a16="http://schemas.microsoft.com/office/drawing/2014/main" id="{D70A3928-E194-4209-98F2-7B7C03EBAEF2}"/>
               </a:ext>
             </a:extLst>
           </p:cNvPr>
@@ -1562,7 +1555,7 @@
           <p:cNvPr id="3" name="Text Placeholder 2">
             <a:extLst>
               <a:ext uri="{FF2B5EF4-FFF2-40B4-BE49-F238E27FC236}">
-                <a16:creationId xmlns:a16="http://schemas.microsoft.com/office/drawing/2014/main" xmlns="" id="{7E9E3091-2AC4-4678-B7D2-DDEA53042723}"/>
+                <a16:creationId xmlns="" xmlns:a16="http://schemas.microsoft.com/office/drawing/2014/main" id="{7E9E3091-2AC4-4678-B7D2-DDEA53042723}"/>
               </a:ext>
             </a:extLst>
           </p:cNvPr>
@@ -1633,7 +1626,7 @@
           <p:cNvPr id="4" name="Content Placeholder 3">
             <a:extLst>
               <a:ext uri="{FF2B5EF4-FFF2-40B4-BE49-F238E27FC236}">
-                <a16:creationId xmlns:a16="http://schemas.microsoft.com/office/drawing/2014/main" xmlns="" id="{5384C843-C1DA-4D40-BD7E-24581490A834}"/>
+                <a16:creationId xmlns="" xmlns:a16="http://schemas.microsoft.com/office/drawing/2014/main" id="{5384C843-C1DA-4D40-BD7E-24581490A834}"/>
               </a:ext>
             </a:extLst>
           </p:cNvPr>
@@ -1696,7 +1689,7 @@
           <p:cNvPr id="5" name="Text Placeholder 4">
             <a:extLst>
               <a:ext uri="{FF2B5EF4-FFF2-40B4-BE49-F238E27FC236}">
-                <a16:creationId xmlns:a16="http://schemas.microsoft.com/office/drawing/2014/main" xmlns="" id="{A2F5C909-0D01-416B-A67A-B0E15D411A12}"/>
+                <a16:creationId xmlns="" xmlns:a16="http://schemas.microsoft.com/office/drawing/2014/main" id="{A2F5C909-0D01-416B-A67A-B0E15D411A12}"/>
               </a:ext>
             </a:extLst>
           </p:cNvPr>
@@ -1767,7 +1760,7 @@
           <p:cNvPr id="6" name="Content Placeholder 5">
             <a:extLst>
               <a:ext uri="{FF2B5EF4-FFF2-40B4-BE49-F238E27FC236}">
-                <a16:creationId xmlns:a16="http://schemas.microsoft.com/office/drawing/2014/main" xmlns="" id="{159A57F6-6AEB-420E-A7A9-90A880BF3C86}"/>
+                <a16:creationId xmlns="" xmlns:a16="http://schemas.microsoft.com/office/drawing/2014/main" id="{159A57F6-6AEB-420E-A7A9-90A880BF3C86}"/>
               </a:ext>
             </a:extLst>
           </p:cNvPr>
@@ -1830,7 +1823,7 @@
           <p:cNvPr id="7" name="Date Placeholder 6">
             <a:extLst>
               <a:ext uri="{FF2B5EF4-FFF2-40B4-BE49-F238E27FC236}">
-                <a16:creationId xmlns:a16="http://schemas.microsoft.com/office/drawing/2014/main" xmlns="" id="{ADFF4A7D-0145-42B8-A731-2D13667ED511}"/>
+                <a16:creationId xmlns="" xmlns:a16="http://schemas.microsoft.com/office/drawing/2014/main" id="{ADFF4A7D-0145-42B8-A731-2D13667ED511}"/>
               </a:ext>
             </a:extLst>
           </p:cNvPr>
@@ -1848,7 +1841,7 @@
           <a:p>
             <a:fld id="{87B6D984-3A23-47E1-8694-A440222D913B}" type="datetimeFigureOut">
               <a:rPr lang="en-IN" smtClean="0"/>
-              <a:t>04-11-2023</a:t>
+              <a:t>15-09-2025</a:t>
             </a:fld>
             <a:endParaRPr lang="en-IN"/>
           </a:p>
@@ -1859,7 +1852,7 @@
           <p:cNvPr id="8" name="Footer Placeholder 7">
             <a:extLst>
               <a:ext uri="{FF2B5EF4-FFF2-40B4-BE49-F238E27FC236}">
-                <a16:creationId xmlns:a16="http://schemas.microsoft.com/office/drawing/2014/main" xmlns="" id="{AD8780CB-CBC3-4732-9197-05F1353B0EE1}"/>
+                <a16:creationId xmlns="" xmlns:a16="http://schemas.microsoft.com/office/drawing/2014/main" id="{AD8780CB-CBC3-4732-9197-05F1353B0EE1}"/>
               </a:ext>
             </a:extLst>
           </p:cNvPr>
@@ -1884,7 +1877,7 @@
           <p:cNvPr id="9" name="Slide Number Placeholder 8">
             <a:extLst>
               <a:ext uri="{FF2B5EF4-FFF2-40B4-BE49-F238E27FC236}">
-                <a16:creationId xmlns:a16="http://schemas.microsoft.com/office/drawing/2014/main" xmlns="" id="{DE8AEF48-8E6D-4255-A81A-13F8A0D20332}"/>
+                <a16:creationId xmlns="" xmlns:a16="http://schemas.microsoft.com/office/drawing/2014/main" id="{DE8AEF48-8E6D-4255-A81A-13F8A0D20332}"/>
               </a:ext>
             </a:extLst>
           </p:cNvPr>
@@ -1943,7 +1936,7 @@
           <p:cNvPr id="2" name="Title 1">
             <a:extLst>
               <a:ext uri="{FF2B5EF4-FFF2-40B4-BE49-F238E27FC236}">
-                <a16:creationId xmlns:a16="http://schemas.microsoft.com/office/drawing/2014/main" xmlns="" id="{785D6FFC-AFFB-4919-8FB2-31C3351A90BE}"/>
+                <a16:creationId xmlns="" xmlns:a16="http://schemas.microsoft.com/office/drawing/2014/main" id="{785D6FFC-AFFB-4919-8FB2-31C3351A90BE}"/>
               </a:ext>
             </a:extLst>
           </p:cNvPr>
@@ -1972,7 +1965,7 @@
           <p:cNvPr id="3" name="Date Placeholder 2">
             <a:extLst>
               <a:ext uri="{FF2B5EF4-FFF2-40B4-BE49-F238E27FC236}">
-                <a16:creationId xmlns:a16="http://schemas.microsoft.com/office/drawing/2014/main" xmlns="" id="{A6BFE0B4-A21B-4C16-BC00-EE14EA8CD36E}"/>
+                <a16:creationId xmlns="" xmlns:a16="http://schemas.microsoft.com/office/drawing/2014/main" id="{A6BFE0B4-A21B-4C16-BC00-EE14EA8CD36E}"/>
               </a:ext>
             </a:extLst>
           </p:cNvPr>
@@ -1990,7 +1983,7 @@
           <a:p>
             <a:fld id="{87B6D984-3A23-47E1-8694-A440222D913B}" type="datetimeFigureOut">
               <a:rPr lang="en-IN" smtClean="0"/>
-              <a:t>04-11-2023</a:t>
+              <a:t>15-09-2025</a:t>
             </a:fld>
             <a:endParaRPr lang="en-IN"/>
           </a:p>
@@ -2001,7 +1994,7 @@
           <p:cNvPr id="4" name="Footer Placeholder 3">
             <a:extLst>
               <a:ext uri="{FF2B5EF4-FFF2-40B4-BE49-F238E27FC236}">
-                <a16:creationId xmlns:a16="http://schemas.microsoft.com/office/drawing/2014/main" xmlns="" id="{822DB53B-F63C-4A50-BAA5-BECD262F0B9A}"/>
+                <a16:creationId xmlns="" xmlns:a16="http://schemas.microsoft.com/office/drawing/2014/main" id="{822DB53B-F63C-4A50-BAA5-BECD262F0B9A}"/>
               </a:ext>
             </a:extLst>
           </p:cNvPr>
@@ -2026,7 +2019,7 @@
           <p:cNvPr id="5" name="Slide Number Placeholder 4">
             <a:extLst>
               <a:ext uri="{FF2B5EF4-FFF2-40B4-BE49-F238E27FC236}">
-                <a16:creationId xmlns:a16="http://schemas.microsoft.com/office/drawing/2014/main" xmlns="" id="{63E3F5EF-7892-419F-9C5F-25508AB04F79}"/>
+                <a16:creationId xmlns="" xmlns:a16="http://schemas.microsoft.com/office/drawing/2014/main" id="{63E3F5EF-7892-419F-9C5F-25508AB04F79}"/>
               </a:ext>
             </a:extLst>
           </p:cNvPr>
@@ -2085,7 +2078,7 @@
           <p:cNvPr id="2" name="Date Placeholder 1">
             <a:extLst>
               <a:ext uri="{FF2B5EF4-FFF2-40B4-BE49-F238E27FC236}">
-                <a16:creationId xmlns:a16="http://schemas.microsoft.com/office/drawing/2014/main" xmlns="" id="{7B89C195-82D1-45B8-95D4-7050008C429A}"/>
+                <a16:creationId xmlns="" xmlns:a16="http://schemas.microsoft.com/office/drawing/2014/main" id="{7B89C195-82D1-45B8-95D4-7050008C429A}"/>
               </a:ext>
             </a:extLst>
           </p:cNvPr>
@@ -2103,7 +2096,7 @@
           <a:p>
             <a:fld id="{87B6D984-3A23-47E1-8694-A440222D913B}" type="datetimeFigureOut">
               <a:rPr lang="en-IN" smtClean="0"/>
-              <a:t>04-11-2023</a:t>
+              <a:t>15-09-2025</a:t>
             </a:fld>
             <a:endParaRPr lang="en-IN"/>
           </a:p>
@@ -2114,7 +2107,7 @@
           <p:cNvPr id="3" name="Footer Placeholder 2">
             <a:extLst>
               <a:ext uri="{FF2B5EF4-FFF2-40B4-BE49-F238E27FC236}">
-                <a16:creationId xmlns:a16="http://schemas.microsoft.com/office/drawing/2014/main" xmlns="" id="{C095DD19-EAB6-49FC-BB0C-295C5AFE2AAE}"/>
+                <a16:creationId xmlns="" xmlns:a16="http://schemas.microsoft.com/office/drawing/2014/main" id="{C095DD19-EAB6-49FC-BB0C-295C5AFE2AAE}"/>
               </a:ext>
             </a:extLst>
           </p:cNvPr>
@@ -2139,7 +2132,7 @@
           <p:cNvPr id="4" name="Slide Number Placeholder 3">
             <a:extLst>
               <a:ext uri="{FF2B5EF4-FFF2-40B4-BE49-F238E27FC236}">
-                <a16:creationId xmlns:a16="http://schemas.microsoft.com/office/drawing/2014/main" xmlns="" id="{48ABAD3F-43A8-4BF6-A87F-B2633401BF8B}"/>
+                <a16:creationId xmlns="" xmlns:a16="http://schemas.microsoft.com/office/drawing/2014/main" id="{48ABAD3F-43A8-4BF6-A87F-B2633401BF8B}"/>
               </a:ext>
             </a:extLst>
           </p:cNvPr>
@@ -2198,7 +2191,7 @@
           <p:cNvPr id="2" name="Title 1">
             <a:extLst>
               <a:ext uri="{FF2B5EF4-FFF2-40B4-BE49-F238E27FC236}">
-                <a16:creationId xmlns:a16="http://schemas.microsoft.com/office/drawing/2014/main" xmlns="" id="{BF92E7A2-8CA2-42DD-B5D9-6A3B725BDCDB}"/>
+                <a16:creationId xmlns="" xmlns:a16="http://schemas.microsoft.com/office/drawing/2014/main" id="{BF92E7A2-8CA2-42DD-B5D9-6A3B725BDCDB}"/>
               </a:ext>
             </a:extLst>
           </p:cNvPr>
@@ -2236,7 +2229,7 @@
           <p:cNvPr id="3" name="Content Placeholder 2">
             <a:extLst>
               <a:ext uri="{FF2B5EF4-FFF2-40B4-BE49-F238E27FC236}">
-                <a16:creationId xmlns:a16="http://schemas.microsoft.com/office/drawing/2014/main" xmlns="" id="{7662FBE9-C07E-4709-9F5C-9CFA5FBC9FB4}"/>
+                <a16:creationId xmlns="" xmlns:a16="http://schemas.microsoft.com/office/drawing/2014/main" id="{7662FBE9-C07E-4709-9F5C-9CFA5FBC9FB4}"/>
               </a:ext>
             </a:extLst>
           </p:cNvPr>
@@ -2327,7 +2320,7 @@
           <p:cNvPr id="4" name="Text Placeholder 3">
             <a:extLst>
               <a:ext uri="{FF2B5EF4-FFF2-40B4-BE49-F238E27FC236}">
-                <a16:creationId xmlns:a16="http://schemas.microsoft.com/office/drawing/2014/main" xmlns="" id="{BB78B744-3739-4601-99AE-963102634A87}"/>
+                <a16:creationId xmlns="" xmlns:a16="http://schemas.microsoft.com/office/drawing/2014/main" id="{BB78B744-3739-4601-99AE-963102634A87}"/>
               </a:ext>
             </a:extLst>
           </p:cNvPr>
@@ -2398,7 +2391,7 @@
           <p:cNvPr id="5" name="Date Placeholder 4">
             <a:extLst>
               <a:ext uri="{FF2B5EF4-FFF2-40B4-BE49-F238E27FC236}">
-                <a16:creationId xmlns:a16="http://schemas.microsoft.com/office/drawing/2014/main" xmlns="" id="{7B956EDB-E0EF-4C93-88B0-40D9E1F5903C}"/>
+                <a16:creationId xmlns="" xmlns:a16="http://schemas.microsoft.com/office/drawing/2014/main" id="{7B956EDB-E0EF-4C93-88B0-40D9E1F5903C}"/>
               </a:ext>
             </a:extLst>
           </p:cNvPr>
@@ -2416,7 +2409,7 @@
           <a:p>
             <a:fld id="{87B6D984-3A23-47E1-8694-A440222D913B}" type="datetimeFigureOut">
               <a:rPr lang="en-IN" smtClean="0"/>
-              <a:t>04-11-2023</a:t>
+              <a:t>15-09-2025</a:t>
             </a:fld>
             <a:endParaRPr lang="en-IN"/>
           </a:p>
@@ -2427,7 +2420,7 @@
           <p:cNvPr id="6" name="Footer Placeholder 5">
             <a:extLst>
               <a:ext uri="{FF2B5EF4-FFF2-40B4-BE49-F238E27FC236}">
-                <a16:creationId xmlns:a16="http://schemas.microsoft.com/office/drawing/2014/main" xmlns="" id="{D9A6C76D-87EC-4DDD-AD45-EB4DF3CB18D4}"/>
+                <a16:creationId xmlns="" xmlns:a16="http://schemas.microsoft.com/office/drawing/2014/main" id="{D9A6C76D-87EC-4DDD-AD45-EB4DF3CB18D4}"/>
               </a:ext>
             </a:extLst>
           </p:cNvPr>
@@ -2452,7 +2445,7 @@
           <p:cNvPr id="7" name="Slide Number Placeholder 6">
             <a:extLst>
               <a:ext uri="{FF2B5EF4-FFF2-40B4-BE49-F238E27FC236}">
-                <a16:creationId xmlns:a16="http://schemas.microsoft.com/office/drawing/2014/main" xmlns="" id="{2BB2BD36-61CC-4861-9D52-AE32810389CC}"/>
+                <a16:creationId xmlns="" xmlns:a16="http://schemas.microsoft.com/office/drawing/2014/main" id="{2BB2BD36-61CC-4861-9D52-AE32810389CC}"/>
               </a:ext>
             </a:extLst>
           </p:cNvPr>
@@ -2511,7 +2504,7 @@
           <p:cNvPr id="2" name="Title 1">
             <a:extLst>
               <a:ext uri="{FF2B5EF4-FFF2-40B4-BE49-F238E27FC236}">
-                <a16:creationId xmlns:a16="http://schemas.microsoft.com/office/drawing/2014/main" xmlns="" id="{80FB823B-7BB7-4BE7-83A9-CB6B9256E9DB}"/>
+                <a16:creationId xmlns="" xmlns:a16="http://schemas.microsoft.com/office/drawing/2014/main" id="{80FB823B-7BB7-4BE7-83A9-CB6B9256E9DB}"/>
               </a:ext>
             </a:extLst>
           </p:cNvPr>
@@ -2549,7 +2542,7 @@
           <p:cNvPr id="3" name="Picture Placeholder 2">
             <a:extLst>
               <a:ext uri="{FF2B5EF4-FFF2-40B4-BE49-F238E27FC236}">
-                <a16:creationId xmlns:a16="http://schemas.microsoft.com/office/drawing/2014/main" xmlns="" id="{137E3C19-E78F-4702-BAA4-D42B7294BD20}"/>
+                <a16:creationId xmlns="" xmlns:a16="http://schemas.microsoft.com/office/drawing/2014/main" id="{137E3C19-E78F-4702-BAA4-D42B7294BD20}"/>
               </a:ext>
             </a:extLst>
           </p:cNvPr>
@@ -2616,7 +2609,7 @@
           <p:cNvPr id="4" name="Text Placeholder 3">
             <a:extLst>
               <a:ext uri="{FF2B5EF4-FFF2-40B4-BE49-F238E27FC236}">
-                <a16:creationId xmlns:a16="http://schemas.microsoft.com/office/drawing/2014/main" xmlns="" id="{81EC8EB4-12BD-4AB1-A105-00F94A6E46F2}"/>
+                <a16:creationId xmlns="" xmlns:a16="http://schemas.microsoft.com/office/drawing/2014/main" id="{81EC8EB4-12BD-4AB1-A105-00F94A6E46F2}"/>
               </a:ext>
             </a:extLst>
           </p:cNvPr>
@@ -2687,7 +2680,7 @@
           <p:cNvPr id="5" name="Date Placeholder 4">
             <a:extLst>
               <a:ext uri="{FF2B5EF4-FFF2-40B4-BE49-F238E27FC236}">
-                <a16:creationId xmlns:a16="http://schemas.microsoft.com/office/drawing/2014/main" xmlns="" id="{4A4C8148-A5D3-40DD-B5A2-195B69372AF1}"/>
+                <a16:creationId xmlns="" xmlns:a16="http://schemas.microsoft.com/office/drawing/2014/main" id="{4A4C8148-A5D3-40DD-B5A2-195B69372AF1}"/>
               </a:ext>
             </a:extLst>
           </p:cNvPr>
@@ -2705,7 +2698,7 @@
           <a:p>
             <a:fld id="{87B6D984-3A23-47E1-8694-A440222D913B}" type="datetimeFigureOut">
               <a:rPr lang="en-IN" smtClean="0"/>
-              <a:t>04-11-2023</a:t>
+              <a:t>15-09-2025</a:t>
             </a:fld>
             <a:endParaRPr lang="en-IN"/>
           </a:p>
@@ -2716,7 +2709,7 @@
           <p:cNvPr id="6" name="Footer Placeholder 5">
             <a:extLst>
               <a:ext uri="{FF2B5EF4-FFF2-40B4-BE49-F238E27FC236}">
-                <a16:creationId xmlns:a16="http://schemas.microsoft.com/office/drawing/2014/main" xmlns="" id="{D57F62F0-20FA-4AB9-BB1E-72EBE823964A}"/>
+                <a16:creationId xmlns="" xmlns:a16="http://schemas.microsoft.com/office/drawing/2014/main" id="{D57F62F0-20FA-4AB9-BB1E-72EBE823964A}"/>
               </a:ext>
             </a:extLst>
           </p:cNvPr>
@@ -2741,7 +2734,7 @@
           <p:cNvPr id="7" name="Slide Number Placeholder 6">
             <a:extLst>
               <a:ext uri="{FF2B5EF4-FFF2-40B4-BE49-F238E27FC236}">
-                <a16:creationId xmlns:a16="http://schemas.microsoft.com/office/drawing/2014/main" xmlns="" id="{C8BF7ADC-EB74-43F0-BDE6-6CF2F9B8989A}"/>
+                <a16:creationId xmlns="" xmlns:a16="http://schemas.microsoft.com/office/drawing/2014/main" id="{C8BF7ADC-EB74-43F0-BDE6-6CF2F9B8989A}"/>
               </a:ext>
             </a:extLst>
           </p:cNvPr>
@@ -2805,7 +2798,7 @@
           <p:cNvPr id="2" name="Title Placeholder 1">
             <a:extLst>
               <a:ext uri="{FF2B5EF4-FFF2-40B4-BE49-F238E27FC236}">
-                <a16:creationId xmlns:a16="http://schemas.microsoft.com/office/drawing/2014/main" xmlns="" id="{05104229-7FC4-4609-AD5B-346478B9CCCD}"/>
+                <a16:creationId xmlns="" xmlns:a16="http://schemas.microsoft.com/office/drawing/2014/main" id="{05104229-7FC4-4609-AD5B-346478B9CCCD}"/>
               </a:ext>
             </a:extLst>
           </p:cNvPr>
@@ -2844,7 +2837,7 @@
           <p:cNvPr id="3" name="Text Placeholder 2">
             <a:extLst>
               <a:ext uri="{FF2B5EF4-FFF2-40B4-BE49-F238E27FC236}">
-                <a16:creationId xmlns:a16="http://schemas.microsoft.com/office/drawing/2014/main" xmlns="" id="{AB05B8E1-DE86-4BA7-99F8-EEDC99340373}"/>
+                <a16:creationId xmlns="" xmlns:a16="http://schemas.microsoft.com/office/drawing/2014/main" id="{AB05B8E1-DE86-4BA7-99F8-EEDC99340373}"/>
               </a:ext>
             </a:extLst>
           </p:cNvPr>
@@ -2912,7 +2905,7 @@
           <p:cNvPr id="4" name="Date Placeholder 3">
             <a:extLst>
               <a:ext uri="{FF2B5EF4-FFF2-40B4-BE49-F238E27FC236}">
-                <a16:creationId xmlns:a16="http://schemas.microsoft.com/office/drawing/2014/main" xmlns="" id="{6485ACD6-56D2-4E26-B6AC-4AA783A3F1A4}"/>
+                <a16:creationId xmlns="" xmlns:a16="http://schemas.microsoft.com/office/drawing/2014/main" id="{6485ACD6-56D2-4E26-B6AC-4AA783A3F1A4}"/>
               </a:ext>
             </a:extLst>
           </p:cNvPr>
@@ -2948,7 +2941,7 @@
           <a:p>
             <a:fld id="{87B6D984-3A23-47E1-8694-A440222D913B}" type="datetimeFigureOut">
               <a:rPr lang="en-IN" smtClean="0"/>
-              <a:t>04-11-2023</a:t>
+              <a:t>15-09-2025</a:t>
             </a:fld>
             <a:endParaRPr lang="en-IN"/>
           </a:p>
@@ -2959,7 +2952,7 @@
           <p:cNvPr id="5" name="Footer Placeholder 4">
             <a:extLst>
               <a:ext uri="{FF2B5EF4-FFF2-40B4-BE49-F238E27FC236}">
-                <a16:creationId xmlns:a16="http://schemas.microsoft.com/office/drawing/2014/main" xmlns="" id="{9A88054F-B09C-4D60-962F-5A6FC0AFB9DE}"/>
+                <a16:creationId xmlns="" xmlns:a16="http://schemas.microsoft.com/office/drawing/2014/main" id="{9A88054F-B09C-4D60-962F-5A6FC0AFB9DE}"/>
               </a:ext>
             </a:extLst>
           </p:cNvPr>
@@ -3002,7 +2995,7 @@
           <p:cNvPr id="6" name="Slide Number Placeholder 5">
             <a:extLst>
               <a:ext uri="{FF2B5EF4-FFF2-40B4-BE49-F238E27FC236}">
-                <a16:creationId xmlns:a16="http://schemas.microsoft.com/office/drawing/2014/main" xmlns="" id="{B6A1F7C5-054D-4576-ADE9-B12886B97B38}"/>
+                <a16:creationId xmlns="" xmlns:a16="http://schemas.microsoft.com/office/drawing/2014/main" id="{B6A1F7C5-054D-4576-ADE9-B12886B97B38}"/>
               </a:ext>
             </a:extLst>
           </p:cNvPr>
@@ -3370,7 +3363,7 @@
           <p:cNvPr id="2" name="Title 1">
             <a:extLst>
               <a:ext uri="{FF2B5EF4-FFF2-40B4-BE49-F238E27FC236}">
-                <a16:creationId xmlns:a16="http://schemas.microsoft.com/office/drawing/2014/main" xmlns="" id="{4B2DC2D1-10E5-42C4-8E89-7B1C3D71DCDE}"/>
+                <a16:creationId xmlns="" xmlns:a16="http://schemas.microsoft.com/office/drawing/2014/main" id="{4B2DC2D1-10E5-42C4-8E89-7B1C3D71DCDE}"/>
               </a:ext>
             </a:extLst>
           </p:cNvPr>
@@ -3398,7 +3391,7 @@
           <p:cNvPr id="3" name="Subtitle 2">
             <a:extLst>
               <a:ext uri="{FF2B5EF4-FFF2-40B4-BE49-F238E27FC236}">
-                <a16:creationId xmlns:a16="http://schemas.microsoft.com/office/drawing/2014/main" xmlns="" id="{F8C78A5F-5DA6-4145-ABE1-73FF9E8176BA}"/>
+                <a16:creationId xmlns="" xmlns:a16="http://schemas.microsoft.com/office/drawing/2014/main" id="{F8C78A5F-5DA6-4145-ABE1-73FF9E8176BA}"/>
               </a:ext>
             </a:extLst>
           </p:cNvPr>
@@ -3460,7 +3453,7 @@
           <p:cNvPr id="7" name="Picture 6">
             <a:extLst>
               <a:ext uri="{FF2B5EF4-FFF2-40B4-BE49-F238E27FC236}">
-                <a16:creationId xmlns:a16="http://schemas.microsoft.com/office/drawing/2014/main" xmlns="" id="{201FB3AE-6F3E-799E-22EC-791A5233AB6C}"/>
+                <a16:creationId xmlns="" xmlns:a16="http://schemas.microsoft.com/office/drawing/2014/main" id="{201FB3AE-6F3E-799E-22EC-791A5233AB6C}"/>
               </a:ext>
             </a:extLst>
           </p:cNvPr>
@@ -3490,7 +3483,7 @@
           <p:cNvPr id="2" name="TextBox 1">
             <a:extLst>
               <a:ext uri="{FF2B5EF4-FFF2-40B4-BE49-F238E27FC236}">
-                <a16:creationId xmlns:a16="http://schemas.microsoft.com/office/drawing/2014/main" xmlns="" id="{FBE4C450-4A70-5D09-F8B6-402D752C2C67}"/>
+                <a16:creationId xmlns="" xmlns:a16="http://schemas.microsoft.com/office/drawing/2014/main" id="{FBE4C450-4A70-5D09-F8B6-402D752C2C67}"/>
               </a:ext>
             </a:extLst>
           </p:cNvPr>
@@ -3555,7 +3548,7 @@
           <p:cNvPr id="5" name="Picture 4">
             <a:extLst>
               <a:ext uri="{FF2B5EF4-FFF2-40B4-BE49-F238E27FC236}">
-                <a16:creationId xmlns:a16="http://schemas.microsoft.com/office/drawing/2014/main" xmlns="" id="{100D60D5-2D46-691F-CC10-3D8BC0A1296F}"/>
+                <a16:creationId xmlns="" xmlns:a16="http://schemas.microsoft.com/office/drawing/2014/main" id="{100D60D5-2D46-691F-CC10-3D8BC0A1296F}"/>
               </a:ext>
             </a:extLst>
           </p:cNvPr>
@@ -3585,7 +3578,7 @@
           <p:cNvPr id="7" name="Picture 6">
             <a:extLst>
               <a:ext uri="{FF2B5EF4-FFF2-40B4-BE49-F238E27FC236}">
-                <a16:creationId xmlns:a16="http://schemas.microsoft.com/office/drawing/2014/main" xmlns="" id="{BF2C3BA6-6CF7-D87D-1B83-B28A9DCA2AD6}"/>
+                <a16:creationId xmlns="" xmlns:a16="http://schemas.microsoft.com/office/drawing/2014/main" id="{BF2C3BA6-6CF7-D87D-1B83-B28A9DCA2AD6}"/>
               </a:ext>
             </a:extLst>
           </p:cNvPr>
@@ -3652,7 +3645,7 @@
           <p:cNvPr id="5" name="Picture 4">
             <a:extLst>
               <a:ext uri="{FF2B5EF4-FFF2-40B4-BE49-F238E27FC236}">
-                <a16:creationId xmlns:a16="http://schemas.microsoft.com/office/drawing/2014/main" xmlns="" id="{B7EF2A70-4232-8474-189E-84F0AB06BD9C}"/>
+                <a16:creationId xmlns="" xmlns:a16="http://schemas.microsoft.com/office/drawing/2014/main" id="{B7EF2A70-4232-8474-189E-84F0AB06BD9C}"/>
               </a:ext>
             </a:extLst>
           </p:cNvPr>
@@ -3697,1292 +3690,6 @@
 </p:sld>
 </file>
 
-<file path=ppt/slides/slide13.xml><?xml version="1.0" encoding="utf-8"?>
-<p:sld xmlns:a="http://schemas.openxmlformats.org/drawingml/2006/main" xmlns:r="http://schemas.openxmlformats.org/officeDocument/2006/relationships" xmlns:p="http://schemas.openxmlformats.org/presentationml/2006/main">
-  <p:cSld>
-    <p:spTree>
-      <p:nvGrpSpPr>
-        <p:cNvPr id="1" name=""/>
-        <p:cNvGrpSpPr/>
-        <p:nvPr/>
-      </p:nvGrpSpPr>
-      <p:grpSpPr>
-        <a:xfrm>
-          <a:off x="0" y="0"/>
-          <a:ext cx="0" cy="0"/>
-          <a:chOff x="0" y="0"/>
-          <a:chExt cx="0" cy="0"/>
-        </a:xfrm>
-      </p:grpSpPr>
-      <p:sp>
-        <p:nvSpPr>
-          <p:cNvPr id="2" name="Title 1">
-            <a:extLst>
-              <a:ext uri="{FF2B5EF4-FFF2-40B4-BE49-F238E27FC236}">
-                <a16:creationId xmlns:a16="http://schemas.microsoft.com/office/drawing/2014/main" xmlns="" id="{B37380D2-5E6F-44C5-89D4-165714542FA1}"/>
-              </a:ext>
-            </a:extLst>
-          </p:cNvPr>
-          <p:cNvSpPr>
-            <a:spLocks noGrp="1"/>
-          </p:cNvSpPr>
-          <p:nvPr>
-            <p:ph type="title"/>
-          </p:nvPr>
-        </p:nvSpPr>
-        <p:spPr/>
-        <p:txBody>
-          <a:bodyPr/>
-          <a:lstStyle/>
-          <a:p>
-            <a:r>
-              <a:rPr lang="en-IN" dirty="0"/>
-              <a:t>PL / SQL</a:t>
-            </a:r>
-          </a:p>
-        </p:txBody>
-      </p:sp>
-      <p:sp>
-        <p:nvSpPr>
-          <p:cNvPr id="3" name="Content Placeholder 2">
-            <a:extLst>
-              <a:ext uri="{FF2B5EF4-FFF2-40B4-BE49-F238E27FC236}">
-                <a16:creationId xmlns:a16="http://schemas.microsoft.com/office/drawing/2014/main" xmlns="" id="{267A48E9-DEF3-4E16-BECD-D5BFAD719878}"/>
-              </a:ext>
-            </a:extLst>
-          </p:cNvPr>
-          <p:cNvSpPr>
-            <a:spLocks noGrp="1"/>
-          </p:cNvSpPr>
-          <p:nvPr>
-            <p:ph idx="1"/>
-          </p:nvPr>
-        </p:nvSpPr>
-        <p:spPr>
-          <a:xfrm>
-            <a:off x="838200" y="1825625"/>
-            <a:ext cx="11034932" cy="4351338"/>
-          </a:xfrm>
-        </p:spPr>
-        <p:txBody>
-          <a:bodyPr/>
-          <a:lstStyle/>
-          <a:p>
-            <a:pPr algn="just"/>
-            <a:r>
-              <a:rPr lang="en-IN" dirty="0"/>
-              <a:t>It is a development tool</a:t>
-            </a:r>
-          </a:p>
-          <a:p>
-            <a:pPr algn="just"/>
-            <a:r>
-              <a:rPr lang="en-IN" dirty="0"/>
-              <a:t>Supports SQL manipulation and also provide facilities of condition checking, branching and looping</a:t>
-            </a:r>
-          </a:p>
-          <a:p>
-            <a:pPr algn="just"/>
-            <a:r>
-              <a:rPr lang="en-IN" dirty="0"/>
-              <a:t>Entire PL/SQL block is sent all in one to the Oracle engine for execution</a:t>
-            </a:r>
-          </a:p>
-          <a:p>
-            <a:pPr algn="just"/>
-            <a:r>
-              <a:rPr lang="en-IN" dirty="0"/>
-              <a:t>It permits error handling</a:t>
-            </a:r>
-          </a:p>
-          <a:p>
-            <a:pPr algn="just"/>
-            <a:r>
-              <a:rPr lang="en-IN" dirty="0"/>
-              <a:t>Variables can be declared and values can be stored inside that variable using user input as well as from SQL statement</a:t>
-            </a:r>
-          </a:p>
-          <a:p>
-            <a:pPr algn="just"/>
-            <a:r>
-              <a:rPr lang="en-IN" dirty="0"/>
-              <a:t>Applications written in PLSQL are portable to any computer h/w and s/w</a:t>
-            </a:r>
-          </a:p>
-          <a:p>
-            <a:pPr algn="just"/>
-            <a:r>
-              <a:rPr lang="en-IN" dirty="0"/>
-              <a:t>PL/SQL engine resides inside the </a:t>
-            </a:r>
-            <a:r>
-              <a:rPr lang="en-IN"/>
-              <a:t>oracle engine</a:t>
-            </a:r>
-            <a:endParaRPr lang="en-IN" dirty="0"/>
-          </a:p>
-        </p:txBody>
-      </p:sp>
-    </p:spTree>
-    <p:extLst>
-      <p:ext uri="{BB962C8B-B14F-4D97-AF65-F5344CB8AC3E}">
-        <p14:creationId xmlns:p14="http://schemas.microsoft.com/office/powerpoint/2010/main" val="3080492549"/>
-      </p:ext>
-    </p:extLst>
-  </p:cSld>
-  <p:clrMapOvr>
-    <a:masterClrMapping/>
-  </p:clrMapOvr>
-  <p:timing>
-    <p:tnLst>
-      <p:par>
-        <p:cTn id="1" dur="indefinite" restart="never" nodeType="tmRoot"/>
-      </p:par>
-    </p:tnLst>
-  </p:timing>
-</p:sld>
-</file>
-
-<file path=ppt/slides/slide14.xml><?xml version="1.0" encoding="utf-8"?>
-<p:sld xmlns:a="http://schemas.openxmlformats.org/drawingml/2006/main" xmlns:r="http://schemas.openxmlformats.org/officeDocument/2006/relationships" xmlns:p="http://schemas.openxmlformats.org/presentationml/2006/main">
-  <p:cSld>
-    <p:spTree>
-      <p:nvGrpSpPr>
-        <p:cNvPr id="1" name=""/>
-        <p:cNvGrpSpPr/>
-        <p:nvPr/>
-      </p:nvGrpSpPr>
-      <p:grpSpPr>
-        <a:xfrm>
-          <a:off x="0" y="0"/>
-          <a:ext cx="0" cy="0"/>
-          <a:chOff x="0" y="0"/>
-          <a:chExt cx="0" cy="0"/>
-        </a:xfrm>
-      </p:grpSpPr>
-      <p:sp>
-        <p:nvSpPr>
-          <p:cNvPr id="2" name="Title 1">
-            <a:extLst>
-              <a:ext uri="{FF2B5EF4-FFF2-40B4-BE49-F238E27FC236}">
-                <a16:creationId xmlns:a16="http://schemas.microsoft.com/office/drawing/2014/main" xmlns="" id="{3F247332-8BBA-42AE-8E60-E8DD0C60D1CE}"/>
-              </a:ext>
-            </a:extLst>
-          </p:cNvPr>
-          <p:cNvSpPr>
-            <a:spLocks noGrp="1"/>
-          </p:cNvSpPr>
-          <p:nvPr>
-            <p:ph type="title"/>
-          </p:nvPr>
-        </p:nvSpPr>
-        <p:spPr>
-          <a:xfrm>
-            <a:off x="838200" y="322923"/>
-            <a:ext cx="10515600" cy="943170"/>
-          </a:xfrm>
-        </p:spPr>
-        <p:txBody>
-          <a:bodyPr/>
-          <a:lstStyle/>
-          <a:p>
-            <a:r>
-              <a:rPr lang="en-IN" dirty="0"/>
-              <a:t>PL/SQL</a:t>
-            </a:r>
-          </a:p>
-        </p:txBody>
-      </p:sp>
-      <p:sp>
-        <p:nvSpPr>
-          <p:cNvPr id="3" name="Content Placeholder 2">
-            <a:extLst>
-              <a:ext uri="{FF2B5EF4-FFF2-40B4-BE49-F238E27FC236}">
-                <a16:creationId xmlns:a16="http://schemas.microsoft.com/office/drawing/2014/main" xmlns="" id="{D7DD243F-FDA8-43D6-BF1E-0F9C3D2FCFAE}"/>
-              </a:ext>
-            </a:extLst>
-          </p:cNvPr>
-          <p:cNvSpPr>
-            <a:spLocks noGrp="1"/>
-          </p:cNvSpPr>
-          <p:nvPr>
-            <p:ph idx="1"/>
-          </p:nvPr>
-        </p:nvSpPr>
-        <p:spPr>
-          <a:xfrm>
-            <a:off x="562708" y="1420837"/>
-            <a:ext cx="11141612" cy="5289452"/>
-          </a:xfrm>
-        </p:spPr>
-        <p:txBody>
-          <a:bodyPr>
-            <a:normAutofit/>
-          </a:bodyPr>
-          <a:lstStyle/>
-          <a:p>
-            <a:pPr algn="just"/>
-            <a:r>
-              <a:rPr lang="en-IN" b="1" dirty="0"/>
-              <a:t>Generic PL/SQL block:</a:t>
-            </a:r>
-          </a:p>
-          <a:p>
-            <a:pPr algn="just"/>
-            <a:r>
-              <a:rPr lang="en-IN" dirty="0"/>
-              <a:t>Declare Section</a:t>
-            </a:r>
-          </a:p>
-          <a:p>
-            <a:pPr lvl="1" algn="just"/>
-            <a:r>
-              <a:rPr lang="en-IN" dirty="0"/>
-              <a:t>Here, memory variable an other Oracle objects can be declared, initialized if required. It’s an optional block</a:t>
-            </a:r>
-          </a:p>
-          <a:p>
-            <a:pPr algn="just"/>
-            <a:r>
-              <a:rPr lang="en-IN" dirty="0"/>
-              <a:t>Begin Section</a:t>
-            </a:r>
-          </a:p>
-          <a:p>
-            <a:pPr lvl="1" algn="just"/>
-            <a:r>
-              <a:rPr lang="en-IN" dirty="0"/>
-              <a:t>It consists of a set of SQL and PL/SQL statements, which describe process that have to be applied to table data.</a:t>
-            </a:r>
-          </a:p>
-          <a:p>
-            <a:pPr algn="just"/>
-            <a:r>
-              <a:rPr lang="en-IN" dirty="0"/>
-              <a:t>Exception Section</a:t>
-            </a:r>
-          </a:p>
-          <a:p>
-            <a:pPr lvl="1" algn="just"/>
-            <a:r>
-              <a:rPr lang="en-IN" dirty="0"/>
-              <a:t>This section deals with handling of errors that arise during execution of the data manipulation statements, by PLSQL code block</a:t>
-            </a:r>
-          </a:p>
-          <a:p>
-            <a:pPr algn="just"/>
-            <a:r>
-              <a:rPr lang="en-IN" dirty="0"/>
-              <a:t>End Section</a:t>
-            </a:r>
-          </a:p>
-          <a:p>
-            <a:pPr lvl="1" algn="just"/>
-            <a:r>
-              <a:rPr lang="en-IN" dirty="0"/>
-              <a:t>It marks the end of the PLSQL block.</a:t>
-            </a:r>
-          </a:p>
-        </p:txBody>
-      </p:sp>
-    </p:spTree>
-    <p:extLst>
-      <p:ext uri="{BB962C8B-B14F-4D97-AF65-F5344CB8AC3E}">
-        <p14:creationId xmlns:p14="http://schemas.microsoft.com/office/powerpoint/2010/main" val="2713524619"/>
-      </p:ext>
-    </p:extLst>
-  </p:cSld>
-  <p:clrMapOvr>
-    <a:masterClrMapping/>
-  </p:clrMapOvr>
-  <p:timing>
-    <p:tnLst>
-      <p:par>
-        <p:cTn id="1" dur="indefinite" restart="never" nodeType="tmRoot"/>
-      </p:par>
-    </p:tnLst>
-  </p:timing>
-</p:sld>
-</file>
-
-<file path=ppt/slides/slide15.xml><?xml version="1.0" encoding="utf-8"?>
-<p:sld xmlns:a="http://schemas.openxmlformats.org/drawingml/2006/main" xmlns:r="http://schemas.openxmlformats.org/officeDocument/2006/relationships" xmlns:p="http://schemas.openxmlformats.org/presentationml/2006/main">
-  <p:cSld>
-    <p:spTree>
-      <p:nvGrpSpPr>
-        <p:cNvPr id="1" name=""/>
-        <p:cNvGrpSpPr/>
-        <p:nvPr/>
-      </p:nvGrpSpPr>
-      <p:grpSpPr>
-        <a:xfrm>
-          <a:off x="0" y="0"/>
-          <a:ext cx="0" cy="0"/>
-          <a:chOff x="0" y="0"/>
-          <a:chExt cx="0" cy="0"/>
-        </a:xfrm>
-      </p:grpSpPr>
-      <p:sp>
-        <p:nvSpPr>
-          <p:cNvPr id="2" name="Title 1">
-            <a:extLst>
-              <a:ext uri="{FF2B5EF4-FFF2-40B4-BE49-F238E27FC236}">
-                <a16:creationId xmlns:a16="http://schemas.microsoft.com/office/drawing/2014/main" xmlns="" id="{127FE5C7-5920-4648-BE67-1114A18FD55E}"/>
-              </a:ext>
-            </a:extLst>
-          </p:cNvPr>
-          <p:cNvSpPr>
-            <a:spLocks noGrp="1"/>
-          </p:cNvSpPr>
-          <p:nvPr>
-            <p:ph type="title"/>
-          </p:nvPr>
-        </p:nvSpPr>
-        <p:spPr/>
-        <p:txBody>
-          <a:bodyPr/>
-          <a:lstStyle/>
-          <a:p>
-            <a:r>
-              <a:rPr lang="en-IN" dirty="0"/>
-              <a:t>PLSQL Character Set</a:t>
-            </a:r>
-          </a:p>
-        </p:txBody>
-      </p:sp>
-      <p:sp>
-        <p:nvSpPr>
-          <p:cNvPr id="3" name="Content Placeholder 2">
-            <a:extLst>
-              <a:ext uri="{FF2B5EF4-FFF2-40B4-BE49-F238E27FC236}">
-                <a16:creationId xmlns:a16="http://schemas.microsoft.com/office/drawing/2014/main" xmlns="" id="{E6692C35-5AF5-4FAA-B2AC-80589847BB17}"/>
-              </a:ext>
-            </a:extLst>
-          </p:cNvPr>
-          <p:cNvSpPr>
-            <a:spLocks noGrp="1"/>
-          </p:cNvSpPr>
-          <p:nvPr>
-            <p:ph idx="1"/>
-          </p:nvPr>
-        </p:nvSpPr>
-        <p:spPr/>
-        <p:txBody>
-          <a:bodyPr/>
-          <a:lstStyle/>
-          <a:p>
-            <a:r>
-              <a:rPr lang="en-IN" dirty="0"/>
-              <a:t>Every database character set includes these basic characters:</a:t>
-            </a:r>
-          </a:p>
-          <a:p>
-            <a:pPr marL="0" indent="0">
-              <a:buNone/>
-            </a:pPr>
-            <a:endParaRPr lang="en-IN" dirty="0"/>
-          </a:p>
-          <a:p>
-            <a:pPr marL="914400" lvl="1" indent="-457200">
-              <a:buFont typeface="+mj-lt"/>
-              <a:buAutoNum type="arabicPeriod"/>
-            </a:pPr>
-            <a:r>
-              <a:rPr lang="en-IN" dirty="0"/>
-              <a:t>Latin letters: A through Z and a through z</a:t>
-            </a:r>
-          </a:p>
-          <a:p>
-            <a:pPr marL="914400" lvl="1" indent="-457200">
-              <a:buFont typeface="+mj-lt"/>
-              <a:buAutoNum type="arabicPeriod"/>
-            </a:pPr>
-            <a:r>
-              <a:rPr lang="en-IN" dirty="0"/>
-              <a:t>Decimal digits: 0 through 9</a:t>
-            </a:r>
-          </a:p>
-          <a:p>
-            <a:pPr marL="914400" lvl="1" indent="-457200">
-              <a:buFont typeface="+mj-lt"/>
-              <a:buAutoNum type="arabicPeriod"/>
-            </a:pPr>
-            <a:r>
-              <a:rPr lang="en-IN" dirty="0"/>
-              <a:t>Punctuation characters like: () + - * / &lt; &gt; = ! , : . ‘ @ % “ # $ ^ &amp; _ \ { } ? ||</a:t>
-            </a:r>
-          </a:p>
-          <a:p>
-            <a:pPr marL="914400" lvl="1" indent="-457200">
-              <a:buFont typeface="+mj-lt"/>
-              <a:buAutoNum type="arabicPeriod"/>
-            </a:pPr>
-            <a:r>
-              <a:rPr lang="en-IN" dirty="0"/>
-              <a:t>Whitespace characters: space, tab, new line, and carriage return</a:t>
-            </a:r>
-          </a:p>
-        </p:txBody>
-      </p:sp>
-    </p:spTree>
-    <p:extLst>
-      <p:ext uri="{BB962C8B-B14F-4D97-AF65-F5344CB8AC3E}">
-        <p14:creationId xmlns:p14="http://schemas.microsoft.com/office/powerpoint/2010/main" val="1194585660"/>
-      </p:ext>
-    </p:extLst>
-  </p:cSld>
-  <p:clrMapOvr>
-    <a:masterClrMapping/>
-  </p:clrMapOvr>
-  <p:timing>
-    <p:tnLst>
-      <p:par>
-        <p:cTn id="1" dur="indefinite" restart="never" nodeType="tmRoot"/>
-      </p:par>
-    </p:tnLst>
-  </p:timing>
-</p:sld>
-</file>
-
-<file path=ppt/slides/slide16.xml><?xml version="1.0" encoding="utf-8"?>
-<p:sld xmlns:a="http://schemas.openxmlformats.org/drawingml/2006/main" xmlns:r="http://schemas.openxmlformats.org/officeDocument/2006/relationships" xmlns:p="http://schemas.openxmlformats.org/presentationml/2006/main">
-  <p:cSld>
-    <p:spTree>
-      <p:nvGrpSpPr>
-        <p:cNvPr id="1" name=""/>
-        <p:cNvGrpSpPr/>
-        <p:nvPr/>
-      </p:nvGrpSpPr>
-      <p:grpSpPr>
-        <a:xfrm>
-          <a:off x="0" y="0"/>
-          <a:ext cx="0" cy="0"/>
-          <a:chOff x="0" y="0"/>
-          <a:chExt cx="0" cy="0"/>
-        </a:xfrm>
-      </p:grpSpPr>
-      <p:sp>
-        <p:nvSpPr>
-          <p:cNvPr id="2" name="Title 1">
-            <a:extLst>
-              <a:ext uri="{FF2B5EF4-FFF2-40B4-BE49-F238E27FC236}">
-                <a16:creationId xmlns:a16="http://schemas.microsoft.com/office/drawing/2014/main" xmlns="" id="{E5FC742C-7A0C-4E80-86B0-379C1F874DF2}"/>
-              </a:ext>
-            </a:extLst>
-          </p:cNvPr>
-          <p:cNvSpPr>
-            <a:spLocks noGrp="1"/>
-          </p:cNvSpPr>
-          <p:nvPr>
-            <p:ph type="title"/>
-          </p:nvPr>
-        </p:nvSpPr>
-        <p:spPr/>
-        <p:txBody>
-          <a:bodyPr/>
-          <a:lstStyle/>
-          <a:p>
-            <a:r>
-              <a:rPr lang="en-IN" dirty="0"/>
-              <a:t>Control Structure</a:t>
-            </a:r>
-          </a:p>
-        </p:txBody>
-      </p:sp>
-      <p:sp>
-        <p:nvSpPr>
-          <p:cNvPr id="3" name="Content Placeholder 2">
-            <a:extLst>
-              <a:ext uri="{FF2B5EF4-FFF2-40B4-BE49-F238E27FC236}">
-                <a16:creationId xmlns:a16="http://schemas.microsoft.com/office/drawing/2014/main" xmlns="" id="{9C9916CA-D87B-4E93-9F54-A8E4B56A9653}"/>
-              </a:ext>
-            </a:extLst>
-          </p:cNvPr>
-          <p:cNvSpPr>
-            <a:spLocks noGrp="1"/>
-          </p:cNvSpPr>
-          <p:nvPr>
-            <p:ph idx="1"/>
-          </p:nvPr>
-        </p:nvSpPr>
-        <p:spPr/>
-        <p:txBody>
-          <a:bodyPr/>
-          <a:lstStyle/>
-          <a:p>
-            <a:r>
-              <a:rPr lang="en-IN" dirty="0"/>
-              <a:t>Condition Control ---- IF – ELSEIF – ELSE – END IF</a:t>
-            </a:r>
-          </a:p>
-          <a:p>
-            <a:r>
-              <a:rPr lang="en-IN" dirty="0"/>
-              <a:t>Iterative Control ----- While Loop, FOR Loop</a:t>
-            </a:r>
-          </a:p>
-          <a:p>
-            <a:r>
-              <a:rPr lang="en-IN" dirty="0"/>
-              <a:t>Sequential Control ----GOTO Statement</a:t>
-            </a:r>
-          </a:p>
-        </p:txBody>
-      </p:sp>
-    </p:spTree>
-    <p:extLst>
-      <p:ext uri="{BB962C8B-B14F-4D97-AF65-F5344CB8AC3E}">
-        <p14:creationId xmlns:p14="http://schemas.microsoft.com/office/powerpoint/2010/main" val="3364607529"/>
-      </p:ext>
-    </p:extLst>
-  </p:cSld>
-  <p:clrMapOvr>
-    <a:masterClrMapping/>
-  </p:clrMapOvr>
-  <p:timing>
-    <p:tnLst>
-      <p:par>
-        <p:cTn id="1" dur="indefinite" restart="never" nodeType="tmRoot"/>
-      </p:par>
-    </p:tnLst>
-  </p:timing>
-</p:sld>
-</file>
-
-<file path=ppt/slides/slide17.xml><?xml version="1.0" encoding="utf-8"?>
-<p:sld xmlns:a="http://schemas.openxmlformats.org/drawingml/2006/main" xmlns:r="http://schemas.openxmlformats.org/officeDocument/2006/relationships" xmlns:p="http://schemas.openxmlformats.org/presentationml/2006/main">
-  <p:cSld>
-    <p:spTree>
-      <p:nvGrpSpPr>
-        <p:cNvPr id="1" name=""/>
-        <p:cNvGrpSpPr/>
-        <p:nvPr/>
-      </p:nvGrpSpPr>
-      <p:grpSpPr>
-        <a:xfrm>
-          <a:off x="0" y="0"/>
-          <a:ext cx="0" cy="0"/>
-          <a:chOff x="0" y="0"/>
-          <a:chExt cx="0" cy="0"/>
-        </a:xfrm>
-      </p:grpSpPr>
-      <p:sp>
-        <p:nvSpPr>
-          <p:cNvPr id="2" name="Title 1">
-            <a:extLst>
-              <a:ext uri="{FF2B5EF4-FFF2-40B4-BE49-F238E27FC236}">
-                <a16:creationId xmlns:a16="http://schemas.microsoft.com/office/drawing/2014/main" xmlns="" id="{5F4DF761-80A0-4C81-963D-C8A63F9F3D09}"/>
-              </a:ext>
-            </a:extLst>
-          </p:cNvPr>
-          <p:cNvSpPr>
-            <a:spLocks noGrp="1"/>
-          </p:cNvSpPr>
-          <p:nvPr>
-            <p:ph type="title"/>
-          </p:nvPr>
-        </p:nvSpPr>
-        <p:spPr/>
-        <p:txBody>
-          <a:bodyPr/>
-          <a:lstStyle/>
-          <a:p>
-            <a:r>
-              <a:rPr lang="en-IN" dirty="0"/>
-              <a:t>Syntax</a:t>
-            </a:r>
-          </a:p>
-        </p:txBody>
-      </p:sp>
-      <p:sp>
-        <p:nvSpPr>
-          <p:cNvPr id="3" name="Content Placeholder 2">
-            <a:extLst>
-              <a:ext uri="{FF2B5EF4-FFF2-40B4-BE49-F238E27FC236}">
-                <a16:creationId xmlns:a16="http://schemas.microsoft.com/office/drawing/2014/main" xmlns="" id="{903EC2F6-C384-41E4-BE8A-077B51FB9FA0}"/>
-              </a:ext>
-            </a:extLst>
-          </p:cNvPr>
-          <p:cNvSpPr>
-            <a:spLocks noGrp="1"/>
-          </p:cNvSpPr>
-          <p:nvPr>
-            <p:ph idx="1"/>
-          </p:nvPr>
-        </p:nvSpPr>
-        <p:spPr/>
-        <p:txBody>
-          <a:bodyPr/>
-          <a:lstStyle/>
-          <a:p>
-            <a:pPr marL="0" indent="0">
-              <a:buNone/>
-            </a:pPr>
-            <a:r>
-              <a:rPr lang="en-IN" dirty="0"/>
-              <a:t>IF  &lt;condition&gt;  then</a:t>
-            </a:r>
-          </a:p>
-          <a:p>
-            <a:pPr marL="0" indent="0">
-              <a:buNone/>
-            </a:pPr>
-            <a:r>
-              <a:rPr lang="en-IN" dirty="0"/>
-              <a:t>	&lt;Action&gt;</a:t>
-            </a:r>
-          </a:p>
-          <a:p>
-            <a:pPr marL="0" indent="0">
-              <a:buNone/>
-            </a:pPr>
-            <a:r>
-              <a:rPr lang="en-IN" smtClean="0"/>
-              <a:t>ELSIF  </a:t>
-            </a:r>
-            <a:r>
-              <a:rPr lang="en-IN" dirty="0"/>
-              <a:t>&lt;Condition&gt; then</a:t>
-            </a:r>
-          </a:p>
-          <a:p>
-            <a:pPr marL="0" indent="0">
-              <a:buNone/>
-            </a:pPr>
-            <a:r>
-              <a:rPr lang="en-IN" dirty="0"/>
-              <a:t>	&lt;Action&gt;</a:t>
-            </a:r>
-          </a:p>
-          <a:p>
-            <a:pPr marL="0" indent="0">
-              <a:buNone/>
-            </a:pPr>
-            <a:r>
-              <a:rPr lang="en-IN" dirty="0"/>
-              <a:t>ELSE</a:t>
-            </a:r>
-          </a:p>
-          <a:p>
-            <a:pPr marL="0" indent="0">
-              <a:buNone/>
-            </a:pPr>
-            <a:r>
-              <a:rPr lang="en-IN" dirty="0"/>
-              <a:t>	&lt;Action&gt;</a:t>
-            </a:r>
-          </a:p>
-          <a:p>
-            <a:pPr marL="0" indent="0">
-              <a:buNone/>
-            </a:pPr>
-            <a:r>
-              <a:rPr lang="en-IN" dirty="0"/>
-              <a:t>END IF;</a:t>
-            </a:r>
-          </a:p>
-        </p:txBody>
-      </p:sp>
-    </p:spTree>
-    <p:extLst>
-      <p:ext uri="{BB962C8B-B14F-4D97-AF65-F5344CB8AC3E}">
-        <p14:creationId xmlns:p14="http://schemas.microsoft.com/office/powerpoint/2010/main" val="828137035"/>
-      </p:ext>
-    </p:extLst>
-  </p:cSld>
-  <p:clrMapOvr>
-    <a:masterClrMapping/>
-  </p:clrMapOvr>
-  <p:timing>
-    <p:tnLst>
-      <p:par>
-        <p:cTn id="1" dur="indefinite" restart="never" nodeType="tmRoot"/>
-      </p:par>
-    </p:tnLst>
-  </p:timing>
-</p:sld>
-</file>
-
-<file path=ppt/slides/slide18.xml><?xml version="1.0" encoding="utf-8"?>
-<p:sld xmlns:a="http://schemas.openxmlformats.org/drawingml/2006/main" xmlns:r="http://schemas.openxmlformats.org/officeDocument/2006/relationships" xmlns:p="http://schemas.openxmlformats.org/presentationml/2006/main">
-  <p:cSld>
-    <p:spTree>
-      <p:nvGrpSpPr>
-        <p:cNvPr id="1" name=""/>
-        <p:cNvGrpSpPr/>
-        <p:nvPr/>
-      </p:nvGrpSpPr>
-      <p:grpSpPr>
-        <a:xfrm>
-          <a:off x="0" y="0"/>
-          <a:ext cx="0" cy="0"/>
-          <a:chOff x="0" y="0"/>
-          <a:chExt cx="0" cy="0"/>
-        </a:xfrm>
-      </p:grpSpPr>
-      <p:sp>
-        <p:nvSpPr>
-          <p:cNvPr id="2" name="Title 1">
-            <a:extLst>
-              <a:ext uri="{FF2B5EF4-FFF2-40B4-BE49-F238E27FC236}">
-                <a16:creationId xmlns:a16="http://schemas.microsoft.com/office/drawing/2014/main" xmlns="" id="{A2F4B923-BE11-4388-B1D4-8BAF850D9CAE}"/>
-              </a:ext>
-            </a:extLst>
-          </p:cNvPr>
-          <p:cNvSpPr>
-            <a:spLocks noGrp="1"/>
-          </p:cNvSpPr>
-          <p:nvPr>
-            <p:ph type="title"/>
-          </p:nvPr>
-        </p:nvSpPr>
-        <p:spPr/>
-        <p:txBody>
-          <a:bodyPr/>
-          <a:lstStyle/>
-          <a:p>
-            <a:r>
-              <a:rPr lang="en-IN" dirty="0"/>
-              <a:t>Iterative Control - Syntax</a:t>
-            </a:r>
-          </a:p>
-        </p:txBody>
-      </p:sp>
-      <p:sp>
-        <p:nvSpPr>
-          <p:cNvPr id="3" name="Content Placeholder 2">
-            <a:extLst>
-              <a:ext uri="{FF2B5EF4-FFF2-40B4-BE49-F238E27FC236}">
-                <a16:creationId xmlns:a16="http://schemas.microsoft.com/office/drawing/2014/main" xmlns="" id="{B95BE520-CD62-4137-9F23-2DA0D1B7B506}"/>
-              </a:ext>
-            </a:extLst>
-          </p:cNvPr>
-          <p:cNvSpPr>
-            <a:spLocks noGrp="1"/>
-          </p:cNvSpPr>
-          <p:nvPr>
-            <p:ph idx="1"/>
-          </p:nvPr>
-        </p:nvSpPr>
-        <p:spPr>
-          <a:xfrm>
-            <a:off x="838200" y="1690688"/>
-            <a:ext cx="10515600" cy="2494584"/>
-          </a:xfrm>
-        </p:spPr>
-        <p:txBody>
-          <a:bodyPr>
-            <a:normAutofit fontScale="92500" lnSpcReduction="20000"/>
-          </a:bodyPr>
-          <a:lstStyle/>
-          <a:p>
-            <a:pPr marL="0" indent="0">
-              <a:buNone/>
-            </a:pPr>
-            <a:r>
-              <a:rPr lang="en-IN" dirty="0"/>
-              <a:t>LOOP</a:t>
-            </a:r>
-          </a:p>
-          <a:p>
-            <a:pPr marL="0" indent="0">
-              <a:buNone/>
-            </a:pPr>
-            <a:r>
-              <a:rPr lang="en-IN" dirty="0"/>
-              <a:t>	&lt;Sequence of Statements&gt;</a:t>
-            </a:r>
-          </a:p>
-          <a:p>
-            <a:pPr marL="0" indent="0">
-              <a:buNone/>
-            </a:pPr>
-            <a:r>
-              <a:rPr lang="en-IN" dirty="0"/>
-              <a:t>	&lt;increment or decrement of variable&gt;</a:t>
-            </a:r>
-          </a:p>
-          <a:p>
-            <a:pPr marL="0" indent="0">
-              <a:buNone/>
-            </a:pPr>
-            <a:endParaRPr lang="en-IN" dirty="0"/>
-          </a:p>
-          <a:p>
-            <a:pPr marL="0" indent="0">
-              <a:buNone/>
-            </a:pPr>
-            <a:r>
-              <a:rPr lang="en-IN" dirty="0"/>
-              <a:t>	EXIT WHEN &lt;Condition&gt;</a:t>
-            </a:r>
-          </a:p>
-          <a:p>
-            <a:pPr marL="0" indent="0">
-              <a:buNone/>
-            </a:pPr>
-            <a:r>
-              <a:rPr lang="en-IN" dirty="0"/>
-              <a:t>END LOOP;</a:t>
-            </a:r>
-          </a:p>
-          <a:p>
-            <a:pPr marL="0" indent="0">
-              <a:buNone/>
-            </a:pPr>
-            <a:endParaRPr lang="en-IN" dirty="0"/>
-          </a:p>
-        </p:txBody>
-      </p:sp>
-      <p:sp>
-        <p:nvSpPr>
-          <p:cNvPr id="4" name="Content Placeholder 2">
-            <a:extLst>
-              <a:ext uri="{FF2B5EF4-FFF2-40B4-BE49-F238E27FC236}">
-                <a16:creationId xmlns:a16="http://schemas.microsoft.com/office/drawing/2014/main" xmlns="" id="{4C86513F-02C1-4C99-A111-BCCAC69A933C}"/>
-              </a:ext>
-            </a:extLst>
-          </p:cNvPr>
-          <p:cNvSpPr txBox="1">
-            <a:spLocks/>
-          </p:cNvSpPr>
-          <p:nvPr/>
-        </p:nvSpPr>
-        <p:spPr>
-          <a:xfrm>
-            <a:off x="871332" y="4307994"/>
-            <a:ext cx="10515600" cy="2494584"/>
-          </a:xfrm>
-          <a:prstGeom prst="rect">
-            <a:avLst/>
-          </a:prstGeom>
-        </p:spPr>
-        <p:txBody>
-          <a:bodyPr vert="horz" lIns="91440" tIns="45720" rIns="91440" bIns="45720" rtlCol="0">
-            <a:normAutofit fontScale="92500" lnSpcReduction="20000"/>
-          </a:bodyPr>
-          <a:lstStyle>
-            <a:lvl1pPr marL="228600" indent="-228600" algn="l" defTabSz="914400" rtl="0" eaLnBrk="1" latinLnBrk="0" hangingPunct="1">
-              <a:lnSpc>
-                <a:spcPct val="90000"/>
-              </a:lnSpc>
-              <a:spcBef>
-                <a:spcPts val="1000"/>
-              </a:spcBef>
-              <a:buFont typeface="Arial" panose="020B0604020202020204" pitchFamily="34" charset="0"/>
-              <a:buChar char="•"/>
-              <a:defRPr sz="2800" kern="1200">
-                <a:solidFill>
-                  <a:schemeClr val="tx1"/>
-                </a:solidFill>
-                <a:latin typeface="+mn-lt"/>
-                <a:ea typeface="+mn-ea"/>
-                <a:cs typeface="+mn-cs"/>
-              </a:defRPr>
-            </a:lvl1pPr>
-            <a:lvl2pPr marL="685800" indent="-228600" algn="l" defTabSz="914400" rtl="0" eaLnBrk="1" latinLnBrk="0" hangingPunct="1">
-              <a:lnSpc>
-                <a:spcPct val="90000"/>
-              </a:lnSpc>
-              <a:spcBef>
-                <a:spcPts val="500"/>
-              </a:spcBef>
-              <a:buFont typeface="Arial" panose="020B0604020202020204" pitchFamily="34" charset="0"/>
-              <a:buChar char="•"/>
-              <a:defRPr sz="2400" kern="1200">
-                <a:solidFill>
-                  <a:schemeClr val="tx1"/>
-                </a:solidFill>
-                <a:latin typeface="+mn-lt"/>
-                <a:ea typeface="+mn-ea"/>
-                <a:cs typeface="+mn-cs"/>
-              </a:defRPr>
-            </a:lvl2pPr>
-            <a:lvl3pPr marL="1143000" indent="-228600" algn="l" defTabSz="914400" rtl="0" eaLnBrk="1" latinLnBrk="0" hangingPunct="1">
-              <a:lnSpc>
-                <a:spcPct val="90000"/>
-              </a:lnSpc>
-              <a:spcBef>
-                <a:spcPts val="500"/>
-              </a:spcBef>
-              <a:buFont typeface="Arial" panose="020B0604020202020204" pitchFamily="34" charset="0"/>
-              <a:buChar char="•"/>
-              <a:defRPr sz="2000" kern="1200">
-                <a:solidFill>
-                  <a:schemeClr val="tx1"/>
-                </a:solidFill>
-                <a:latin typeface="+mn-lt"/>
-                <a:ea typeface="+mn-ea"/>
-                <a:cs typeface="+mn-cs"/>
-              </a:defRPr>
-            </a:lvl3pPr>
-            <a:lvl4pPr marL="1600200" indent="-228600" algn="l" defTabSz="914400" rtl="0" eaLnBrk="1" latinLnBrk="0" hangingPunct="1">
-              <a:lnSpc>
-                <a:spcPct val="90000"/>
-              </a:lnSpc>
-              <a:spcBef>
-                <a:spcPts val="500"/>
-              </a:spcBef>
-              <a:buFont typeface="Arial" panose="020B0604020202020204" pitchFamily="34" charset="0"/>
-              <a:buChar char="•"/>
-              <a:defRPr sz="1800" kern="1200">
-                <a:solidFill>
-                  <a:schemeClr val="tx1"/>
-                </a:solidFill>
-                <a:latin typeface="+mn-lt"/>
-                <a:ea typeface="+mn-ea"/>
-                <a:cs typeface="+mn-cs"/>
-              </a:defRPr>
-            </a:lvl4pPr>
-            <a:lvl5pPr marL="2057400" indent="-228600" algn="l" defTabSz="914400" rtl="0" eaLnBrk="1" latinLnBrk="0" hangingPunct="1">
-              <a:lnSpc>
-                <a:spcPct val="90000"/>
-              </a:lnSpc>
-              <a:spcBef>
-                <a:spcPts val="500"/>
-              </a:spcBef>
-              <a:buFont typeface="Arial" panose="020B0604020202020204" pitchFamily="34" charset="0"/>
-              <a:buChar char="•"/>
-              <a:defRPr sz="1800" kern="1200">
-                <a:solidFill>
-                  <a:schemeClr val="tx1"/>
-                </a:solidFill>
-                <a:latin typeface="+mn-lt"/>
-                <a:ea typeface="+mn-ea"/>
-                <a:cs typeface="+mn-cs"/>
-              </a:defRPr>
-            </a:lvl5pPr>
-            <a:lvl6pPr marL="2514600" indent="-228600" algn="l" defTabSz="914400" rtl="0" eaLnBrk="1" latinLnBrk="0" hangingPunct="1">
-              <a:lnSpc>
-                <a:spcPct val="90000"/>
-              </a:lnSpc>
-              <a:spcBef>
-                <a:spcPts val="500"/>
-              </a:spcBef>
-              <a:buFont typeface="Arial" panose="020B0604020202020204" pitchFamily="34" charset="0"/>
-              <a:buChar char="•"/>
-              <a:defRPr sz="1800" kern="1200">
-                <a:solidFill>
-                  <a:schemeClr val="tx1"/>
-                </a:solidFill>
-                <a:latin typeface="+mn-lt"/>
-                <a:ea typeface="+mn-ea"/>
-                <a:cs typeface="+mn-cs"/>
-              </a:defRPr>
-            </a:lvl6pPr>
-            <a:lvl7pPr marL="2971800" indent="-228600" algn="l" defTabSz="914400" rtl="0" eaLnBrk="1" latinLnBrk="0" hangingPunct="1">
-              <a:lnSpc>
-                <a:spcPct val="90000"/>
-              </a:lnSpc>
-              <a:spcBef>
-                <a:spcPts val="500"/>
-              </a:spcBef>
-              <a:buFont typeface="Arial" panose="020B0604020202020204" pitchFamily="34" charset="0"/>
-              <a:buChar char="•"/>
-              <a:defRPr sz="1800" kern="1200">
-                <a:solidFill>
-                  <a:schemeClr val="tx1"/>
-                </a:solidFill>
-                <a:latin typeface="+mn-lt"/>
-                <a:ea typeface="+mn-ea"/>
-                <a:cs typeface="+mn-cs"/>
-              </a:defRPr>
-            </a:lvl7pPr>
-            <a:lvl8pPr marL="3429000" indent="-228600" algn="l" defTabSz="914400" rtl="0" eaLnBrk="1" latinLnBrk="0" hangingPunct="1">
-              <a:lnSpc>
-                <a:spcPct val="90000"/>
-              </a:lnSpc>
-              <a:spcBef>
-                <a:spcPts val="500"/>
-              </a:spcBef>
-              <a:buFont typeface="Arial" panose="020B0604020202020204" pitchFamily="34" charset="0"/>
-              <a:buChar char="•"/>
-              <a:defRPr sz="1800" kern="1200">
-                <a:solidFill>
-                  <a:schemeClr val="tx1"/>
-                </a:solidFill>
-                <a:latin typeface="+mn-lt"/>
-                <a:ea typeface="+mn-ea"/>
-                <a:cs typeface="+mn-cs"/>
-              </a:defRPr>
-            </a:lvl8pPr>
-            <a:lvl9pPr marL="3886200" indent="-228600" algn="l" defTabSz="914400" rtl="0" eaLnBrk="1" latinLnBrk="0" hangingPunct="1">
-              <a:lnSpc>
-                <a:spcPct val="90000"/>
-              </a:lnSpc>
-              <a:spcBef>
-                <a:spcPts val="500"/>
-              </a:spcBef>
-              <a:buFont typeface="Arial" panose="020B0604020202020204" pitchFamily="34" charset="0"/>
-              <a:buChar char="•"/>
-              <a:defRPr sz="1800" kern="1200">
-                <a:solidFill>
-                  <a:schemeClr val="tx1"/>
-                </a:solidFill>
-                <a:latin typeface="+mn-lt"/>
-                <a:ea typeface="+mn-ea"/>
-                <a:cs typeface="+mn-cs"/>
-              </a:defRPr>
-            </a:lvl9pPr>
-          </a:lstStyle>
-          <a:p>
-            <a:pPr marL="0" indent="0">
-              <a:buFont typeface="Arial" panose="020B0604020202020204" pitchFamily="34" charset="0"/>
-              <a:buNone/>
-            </a:pPr>
-            <a:r>
-              <a:rPr lang="en-IN" dirty="0"/>
-              <a:t>WHILE  &lt;Condition&gt; </a:t>
-            </a:r>
-          </a:p>
-          <a:p>
-            <a:pPr marL="0" indent="0">
-              <a:buFont typeface="Arial" panose="020B0604020202020204" pitchFamily="34" charset="0"/>
-              <a:buNone/>
-            </a:pPr>
-            <a:r>
-              <a:rPr lang="en-IN" dirty="0"/>
-              <a:t>LOOP</a:t>
-            </a:r>
-          </a:p>
-          <a:p>
-            <a:pPr marL="0" indent="0">
-              <a:buFont typeface="Arial" panose="020B0604020202020204" pitchFamily="34" charset="0"/>
-              <a:buNone/>
-            </a:pPr>
-            <a:r>
-              <a:rPr lang="en-IN" dirty="0"/>
-              <a:t>	&lt;Sequence of Statements&gt;</a:t>
-            </a:r>
-          </a:p>
-          <a:p>
-            <a:pPr marL="0" indent="0">
-              <a:buNone/>
-            </a:pPr>
-            <a:r>
-              <a:rPr lang="en-IN" dirty="0"/>
-              <a:t>	&lt;increment or decrement of variable&gt;</a:t>
-            </a:r>
-          </a:p>
-          <a:p>
-            <a:pPr marL="0" indent="0">
-              <a:buFont typeface="Arial" panose="020B0604020202020204" pitchFamily="34" charset="0"/>
-              <a:buNone/>
-            </a:pPr>
-            <a:endParaRPr lang="en-IN" dirty="0"/>
-          </a:p>
-          <a:p>
-            <a:pPr marL="0" indent="0">
-              <a:buFont typeface="Arial" panose="020B0604020202020204" pitchFamily="34" charset="0"/>
-              <a:buNone/>
-            </a:pPr>
-            <a:r>
-              <a:rPr lang="en-IN" dirty="0"/>
-              <a:t>END LOOP;</a:t>
-            </a:r>
-          </a:p>
-          <a:p>
-            <a:pPr marL="0" indent="0">
-              <a:buFont typeface="Arial" panose="020B0604020202020204" pitchFamily="34" charset="0"/>
-              <a:buNone/>
-            </a:pPr>
-            <a:endParaRPr lang="en-IN" dirty="0"/>
-          </a:p>
-        </p:txBody>
-      </p:sp>
-      <p:cxnSp>
-        <p:nvCxnSpPr>
-          <p:cNvPr id="6" name="Straight Connector 5">
-            <a:extLst>
-              <a:ext uri="{FF2B5EF4-FFF2-40B4-BE49-F238E27FC236}">
-                <a16:creationId xmlns:a16="http://schemas.microsoft.com/office/drawing/2014/main" xmlns="" id="{33211B0C-01F1-4F28-81B4-61D97BE7B074}"/>
-              </a:ext>
-            </a:extLst>
-          </p:cNvPr>
-          <p:cNvCxnSpPr>
-            <a:cxnSpLocks/>
-          </p:cNvCxnSpPr>
-          <p:nvPr/>
-        </p:nvCxnSpPr>
-        <p:spPr>
-          <a:xfrm flipV="1">
-            <a:off x="596345" y="4185272"/>
-            <a:ext cx="11016000" cy="1"/>
-          </a:xfrm>
-          <a:prstGeom prst="line">
-            <a:avLst/>
-          </a:prstGeom>
-          <a:ln w="38100"/>
-        </p:spPr>
-        <p:style>
-          <a:lnRef idx="1">
-            <a:schemeClr val="accent1"/>
-          </a:lnRef>
-          <a:fillRef idx="0">
-            <a:schemeClr val="accent1"/>
-          </a:fillRef>
-          <a:effectRef idx="0">
-            <a:schemeClr val="accent1"/>
-          </a:effectRef>
-          <a:fontRef idx="minor">
-            <a:schemeClr val="tx1"/>
-          </a:fontRef>
-        </p:style>
-      </p:cxnSp>
-    </p:spTree>
-    <p:extLst>
-      <p:ext uri="{BB962C8B-B14F-4D97-AF65-F5344CB8AC3E}">
-        <p14:creationId xmlns:p14="http://schemas.microsoft.com/office/powerpoint/2010/main" val="1998490466"/>
-      </p:ext>
-    </p:extLst>
-  </p:cSld>
-  <p:clrMapOvr>
-    <a:masterClrMapping/>
-  </p:clrMapOvr>
-  <p:timing>
-    <p:tnLst>
-      <p:par>
-        <p:cTn id="1" dur="indefinite" restart="never" nodeType="tmRoot"/>
-      </p:par>
-    </p:tnLst>
-  </p:timing>
-</p:sld>
-</file>
-
-<file path=ppt/slides/slide19.xml><?xml version="1.0" encoding="utf-8"?>
-<p:sld xmlns:a="http://schemas.openxmlformats.org/drawingml/2006/main" xmlns:r="http://schemas.openxmlformats.org/officeDocument/2006/relationships" xmlns:p="http://schemas.openxmlformats.org/presentationml/2006/main">
-  <p:cSld>
-    <p:spTree>
-      <p:nvGrpSpPr>
-        <p:cNvPr id="1" name=""/>
-        <p:cNvGrpSpPr/>
-        <p:nvPr/>
-      </p:nvGrpSpPr>
-      <p:grpSpPr>
-        <a:xfrm>
-          <a:off x="0" y="0"/>
-          <a:ext cx="0" cy="0"/>
-          <a:chOff x="0" y="0"/>
-          <a:chExt cx="0" cy="0"/>
-        </a:xfrm>
-      </p:grpSpPr>
-      <p:sp>
-        <p:nvSpPr>
-          <p:cNvPr id="2" name="Title 1">
-            <a:extLst>
-              <a:ext uri="{FF2B5EF4-FFF2-40B4-BE49-F238E27FC236}">
-                <a16:creationId xmlns:a16="http://schemas.microsoft.com/office/drawing/2014/main" xmlns="" id="{6546D8B4-55D4-44EA-BC04-843F4D6564F9}"/>
-              </a:ext>
-            </a:extLst>
-          </p:cNvPr>
-          <p:cNvSpPr>
-            <a:spLocks noGrp="1"/>
-          </p:cNvSpPr>
-          <p:nvPr>
-            <p:ph type="title"/>
-          </p:nvPr>
-        </p:nvSpPr>
-        <p:spPr/>
-        <p:txBody>
-          <a:bodyPr/>
-          <a:lstStyle/>
-          <a:p>
-            <a:r>
-              <a:rPr lang="en-IN" dirty="0"/>
-              <a:t>Syntax</a:t>
-            </a:r>
-          </a:p>
-        </p:txBody>
-      </p:sp>
-      <p:sp>
-        <p:nvSpPr>
-          <p:cNvPr id="3" name="Content Placeholder 2">
-            <a:extLst>
-              <a:ext uri="{FF2B5EF4-FFF2-40B4-BE49-F238E27FC236}">
-                <a16:creationId xmlns:a16="http://schemas.microsoft.com/office/drawing/2014/main" xmlns="" id="{53CCDEB2-DB90-45D6-91A4-56BFFC75C8A6}"/>
-              </a:ext>
-            </a:extLst>
-          </p:cNvPr>
-          <p:cNvSpPr>
-            <a:spLocks noGrp="1"/>
-          </p:cNvSpPr>
-          <p:nvPr>
-            <p:ph idx="1"/>
-          </p:nvPr>
-        </p:nvSpPr>
-        <p:spPr/>
-        <p:txBody>
-          <a:bodyPr/>
-          <a:lstStyle/>
-          <a:p>
-            <a:pPr marL="0" indent="0">
-              <a:buNone/>
-            </a:pPr>
-            <a:r>
-              <a:rPr lang="en-IN" dirty="0"/>
-              <a:t>FOR variable in [Reverse] start .. End</a:t>
-            </a:r>
-          </a:p>
-          <a:p>
-            <a:pPr marL="0" indent="0">
-              <a:buNone/>
-            </a:pPr>
-            <a:r>
-              <a:rPr lang="en-IN" dirty="0"/>
-              <a:t>	LOOP</a:t>
-            </a:r>
-          </a:p>
-          <a:p>
-            <a:pPr marL="0" indent="0">
-              <a:buNone/>
-            </a:pPr>
-            <a:r>
-              <a:rPr lang="en-IN" dirty="0"/>
-              <a:t>		&lt;Action&gt;</a:t>
-            </a:r>
-          </a:p>
-          <a:p>
-            <a:pPr marL="0" indent="0">
-              <a:buNone/>
-            </a:pPr>
-            <a:r>
-              <a:rPr lang="en-IN" dirty="0"/>
-              <a:t>	END Loop;</a:t>
-            </a:r>
-          </a:p>
-          <a:p>
-            <a:pPr marL="0" indent="0">
-              <a:buNone/>
-            </a:pPr>
-            <a:endParaRPr lang="en-IN" dirty="0"/>
-          </a:p>
-          <a:p>
-            <a:r>
-              <a:rPr lang="en-IN" dirty="0"/>
-              <a:t>The variable in the For Loop need not be declared. Also the increment value cannot be specified.</a:t>
-            </a:r>
-          </a:p>
-          <a:p>
-            <a:r>
-              <a:rPr lang="en-IN" dirty="0"/>
-              <a:t>The FOR Loop Variable is always incremented by 1</a:t>
-            </a:r>
-          </a:p>
-        </p:txBody>
-      </p:sp>
-    </p:spTree>
-    <p:extLst>
-      <p:ext uri="{BB962C8B-B14F-4D97-AF65-F5344CB8AC3E}">
-        <p14:creationId xmlns:p14="http://schemas.microsoft.com/office/powerpoint/2010/main" val="1760966252"/>
-      </p:ext>
-    </p:extLst>
-  </p:cSld>
-  <p:clrMapOvr>
-    <a:masterClrMapping/>
-  </p:clrMapOvr>
-</p:sld>
-</file>
-
 <file path=ppt/slides/slide2.xml><?xml version="1.0" encoding="utf-8"?>
 <p:sld xmlns:a="http://schemas.openxmlformats.org/drawingml/2006/main" xmlns:r="http://schemas.openxmlformats.org/officeDocument/2006/relationships" xmlns:p="http://schemas.openxmlformats.org/presentationml/2006/main">
   <p:cSld>
@@ -5005,7 +3712,7 @@
           <p:cNvPr id="2" name="Title 1">
             <a:extLst>
               <a:ext uri="{FF2B5EF4-FFF2-40B4-BE49-F238E27FC236}">
-                <a16:creationId xmlns:a16="http://schemas.microsoft.com/office/drawing/2014/main" xmlns="" id="{5B76C2E1-702E-4D4A-98C9-F58E3E2A232E}"/>
+                <a16:creationId xmlns="" xmlns:a16="http://schemas.microsoft.com/office/drawing/2014/main" id="{5B76C2E1-702E-4D4A-98C9-F58E3E2A232E}"/>
               </a:ext>
             </a:extLst>
           </p:cNvPr>
@@ -5033,7 +3740,7 @@
           <p:cNvPr id="3" name="Content Placeholder 2">
             <a:extLst>
               <a:ext uri="{FF2B5EF4-FFF2-40B4-BE49-F238E27FC236}">
-                <a16:creationId xmlns:a16="http://schemas.microsoft.com/office/drawing/2014/main" xmlns="" id="{784790CC-DB00-48CC-96F6-DD6D99CDB6F2}"/>
+                <a16:creationId xmlns="" xmlns:a16="http://schemas.microsoft.com/office/drawing/2014/main" id="{784790CC-DB00-48CC-96F6-DD6D99CDB6F2}"/>
               </a:ext>
             </a:extLst>
           </p:cNvPr>
@@ -5103,7 +3810,7 @@
           <p:cNvPr id="5" name="Picture 4">
             <a:extLst>
               <a:ext uri="{FF2B5EF4-FFF2-40B4-BE49-F238E27FC236}">
-                <a16:creationId xmlns:a16="http://schemas.microsoft.com/office/drawing/2014/main" xmlns="" id="{768CA847-0A9C-46C2-BEAC-46E8BF64D780}"/>
+                <a16:creationId xmlns="" xmlns:a16="http://schemas.microsoft.com/office/drawing/2014/main" id="{768CA847-0A9C-46C2-BEAC-46E8BF64D780}"/>
               </a:ext>
             </a:extLst>
           </p:cNvPr>
@@ -5133,7 +3840,7 @@
           <p:cNvPr id="7" name="TextBox 6">
             <a:extLst>
               <a:ext uri="{FF2B5EF4-FFF2-40B4-BE49-F238E27FC236}">
-                <a16:creationId xmlns:a16="http://schemas.microsoft.com/office/drawing/2014/main" xmlns="" id="{EE379AD0-7510-4AB3-B204-DE00AD5D5BA3}"/>
+                <a16:creationId xmlns="" xmlns:a16="http://schemas.microsoft.com/office/drawing/2014/main" id="{EE379AD0-7510-4AB3-B204-DE00AD5D5BA3}"/>
               </a:ext>
             </a:extLst>
           </p:cNvPr>
@@ -5260,7 +3967,7 @@
           <p:cNvPr id="2" name="Title 1">
             <a:extLst>
               <a:ext uri="{FF2B5EF4-FFF2-40B4-BE49-F238E27FC236}">
-                <a16:creationId xmlns:a16="http://schemas.microsoft.com/office/drawing/2014/main" xmlns="" id="{6E7AA877-F119-4EE5-9CED-2849C561C919}"/>
+                <a16:creationId xmlns="" xmlns:a16="http://schemas.microsoft.com/office/drawing/2014/main" id="{6E7AA877-F119-4EE5-9CED-2849C561C919}"/>
               </a:ext>
             </a:extLst>
           </p:cNvPr>
@@ -5288,7 +3995,7 @@
           <p:cNvPr id="3" name="Content Placeholder 2">
             <a:extLst>
               <a:ext uri="{FF2B5EF4-FFF2-40B4-BE49-F238E27FC236}">
-                <a16:creationId xmlns:a16="http://schemas.microsoft.com/office/drawing/2014/main" xmlns="" id="{65704699-F836-4F17-9832-43E47C2B568C}"/>
+                <a16:creationId xmlns="" xmlns:a16="http://schemas.microsoft.com/office/drawing/2014/main" id="{65704699-F836-4F17-9832-43E47C2B568C}"/>
               </a:ext>
             </a:extLst>
           </p:cNvPr>
@@ -5339,7 +4046,7 @@
           <p:cNvPr id="5" name="Picture 4">
             <a:extLst>
               <a:ext uri="{FF2B5EF4-FFF2-40B4-BE49-F238E27FC236}">
-                <a16:creationId xmlns:a16="http://schemas.microsoft.com/office/drawing/2014/main" xmlns="" id="{E3139A3F-777D-4CF5-9415-582B88BC205D}"/>
+                <a16:creationId xmlns="" xmlns:a16="http://schemas.microsoft.com/office/drawing/2014/main" id="{E3139A3F-777D-4CF5-9415-582B88BC205D}"/>
               </a:ext>
             </a:extLst>
           </p:cNvPr>
@@ -5399,7 +4106,7 @@
           <p:cNvPr id="2" name="Title 1">
             <a:extLst>
               <a:ext uri="{FF2B5EF4-FFF2-40B4-BE49-F238E27FC236}">
-                <a16:creationId xmlns:a16="http://schemas.microsoft.com/office/drawing/2014/main" xmlns="" id="{340C1399-12E3-422D-9B03-2AE008B6EC1F}"/>
+                <a16:creationId xmlns="" xmlns:a16="http://schemas.microsoft.com/office/drawing/2014/main" id="{340C1399-12E3-422D-9B03-2AE008B6EC1F}"/>
               </a:ext>
             </a:extLst>
           </p:cNvPr>
@@ -5427,7 +4134,7 @@
           <p:cNvPr id="3" name="Content Placeholder 2">
             <a:extLst>
               <a:ext uri="{FF2B5EF4-FFF2-40B4-BE49-F238E27FC236}">
-                <a16:creationId xmlns:a16="http://schemas.microsoft.com/office/drawing/2014/main" xmlns="" id="{A91788EE-A146-42C5-9C85-4941DBAAF61E}"/>
+                <a16:creationId xmlns="" xmlns:a16="http://schemas.microsoft.com/office/drawing/2014/main" id="{A91788EE-A146-42C5-9C85-4941DBAAF61E}"/>
               </a:ext>
             </a:extLst>
           </p:cNvPr>
@@ -5510,7 +4217,7 @@
           <p:cNvPr id="2" name="Title 1">
             <a:extLst>
               <a:ext uri="{FF2B5EF4-FFF2-40B4-BE49-F238E27FC236}">
-                <a16:creationId xmlns:a16="http://schemas.microsoft.com/office/drawing/2014/main" xmlns="" id="{6F62F9E5-6909-41D6-AEF1-E56EEB93F185}"/>
+                <a16:creationId xmlns="" xmlns:a16="http://schemas.microsoft.com/office/drawing/2014/main" id="{6F62F9E5-6909-41D6-AEF1-E56EEB93F185}"/>
               </a:ext>
             </a:extLst>
           </p:cNvPr>
@@ -5545,7 +4252,7 @@
           <p:cNvPr id="3" name="Content Placeholder 2">
             <a:extLst>
               <a:ext uri="{FF2B5EF4-FFF2-40B4-BE49-F238E27FC236}">
-                <a16:creationId xmlns:a16="http://schemas.microsoft.com/office/drawing/2014/main" xmlns="" id="{729C5AFA-9AB4-4E42-BEFB-75D29468AB3D}"/>
+                <a16:creationId xmlns="" xmlns:a16="http://schemas.microsoft.com/office/drawing/2014/main" id="{729C5AFA-9AB4-4E42-BEFB-75D29468AB3D}"/>
               </a:ext>
             </a:extLst>
           </p:cNvPr>
@@ -5586,7 +4293,7 @@
           <p:cNvPr id="5" name="Picture 4">
             <a:extLst>
               <a:ext uri="{FF2B5EF4-FFF2-40B4-BE49-F238E27FC236}">
-                <a16:creationId xmlns:a16="http://schemas.microsoft.com/office/drawing/2014/main" xmlns="" id="{DB79F776-9147-45BE-9558-0211DDE1B544}"/>
+                <a16:creationId xmlns="" xmlns:a16="http://schemas.microsoft.com/office/drawing/2014/main" id="{DB79F776-9147-45BE-9558-0211DDE1B544}"/>
               </a:ext>
             </a:extLst>
           </p:cNvPr>
@@ -5616,7 +4323,7 @@
           <p:cNvPr id="6" name="Picture 5">
             <a:extLst>
               <a:ext uri="{FF2B5EF4-FFF2-40B4-BE49-F238E27FC236}">
-                <a16:creationId xmlns:a16="http://schemas.microsoft.com/office/drawing/2014/main" xmlns="" id="{1F1298CC-4518-866A-12CE-8B918BE0078C}"/>
+                <a16:creationId xmlns="" xmlns:a16="http://schemas.microsoft.com/office/drawing/2014/main" id="{1F1298CC-4518-866A-12CE-8B918BE0078C}"/>
               </a:ext>
             </a:extLst>
           </p:cNvPr>
@@ -5676,7 +4383,7 @@
           <p:cNvPr id="5" name="Picture 4">
             <a:extLst>
               <a:ext uri="{FF2B5EF4-FFF2-40B4-BE49-F238E27FC236}">
-                <a16:creationId xmlns:a16="http://schemas.microsoft.com/office/drawing/2014/main" xmlns="" id="{B08BF29F-6473-4A29-90F0-73D4149637F4}"/>
+                <a16:creationId xmlns="" xmlns:a16="http://schemas.microsoft.com/office/drawing/2014/main" id="{B08BF29F-6473-4A29-90F0-73D4149637F4}"/>
               </a:ext>
             </a:extLst>
           </p:cNvPr>
@@ -5736,7 +4443,7 @@
           <p:cNvPr id="3" name="Picture 2">
             <a:extLst>
               <a:ext uri="{FF2B5EF4-FFF2-40B4-BE49-F238E27FC236}">
-                <a16:creationId xmlns:a16="http://schemas.microsoft.com/office/drawing/2014/main" xmlns="" id="{1941CE19-4066-4EE4-FFF8-5953996DCDEC}"/>
+                <a16:creationId xmlns="" xmlns:a16="http://schemas.microsoft.com/office/drawing/2014/main" id="{1941CE19-4066-4EE4-FFF8-5953996DCDEC}"/>
               </a:ext>
             </a:extLst>
           </p:cNvPr>
@@ -5766,7 +4473,7 @@
           <p:cNvPr id="6" name="Picture 5">
             <a:extLst>
               <a:ext uri="{FF2B5EF4-FFF2-40B4-BE49-F238E27FC236}">
-                <a16:creationId xmlns:a16="http://schemas.microsoft.com/office/drawing/2014/main" xmlns="" id="{8C081619-D23C-2FF5-4F63-97C2EFEF0672}"/>
+                <a16:creationId xmlns="" xmlns:a16="http://schemas.microsoft.com/office/drawing/2014/main" id="{8C081619-D23C-2FF5-4F63-97C2EFEF0672}"/>
               </a:ext>
             </a:extLst>
           </p:cNvPr>
@@ -5826,7 +4533,7 @@
           <p:cNvPr id="4" name="Picture 3">
             <a:extLst>
               <a:ext uri="{FF2B5EF4-FFF2-40B4-BE49-F238E27FC236}">
-                <a16:creationId xmlns:a16="http://schemas.microsoft.com/office/drawing/2014/main" xmlns="" id="{F3D5956E-BEA0-1A98-334E-44834A75CDA3}"/>
+                <a16:creationId xmlns="" xmlns:a16="http://schemas.microsoft.com/office/drawing/2014/main" id="{F3D5956E-BEA0-1A98-334E-44834A75CDA3}"/>
               </a:ext>
             </a:extLst>
           </p:cNvPr>
